--- a/AutoML Lab manual.pptx
+++ b/AutoML Lab manual.pptx
@@ -135,475 +135,16 @@
 <file path=ppt/revisionInfo.xml><?xml version="1.0" encoding="utf-8"?>
 <p1510:revInfo xmlns:a="http://schemas.openxmlformats.org/drawingml/2006/main" xmlns:r="http://schemas.openxmlformats.org/officeDocument/2006/relationships" xmlns:p1510="http://schemas.microsoft.com/office/powerpoint/2015/10/main">
   <p1510:revLst>
+    <p1510:client id="{258CB2A0-CF85-49A1-8054-9F05CD6ED8F3}" v="120" dt="2019-11-20T04:41:55.069"/>
     <p1510:client id="{A829E8C3-4F86-4B7E-A4AF-1D6F81CDCDD1}" v="161" dt="2019-11-19T07:15:43.380"/>
+    <p1510:client id="{A9C1F5EC-8C29-44E6-AD09-470BFA5CC83A}" v="105" dt="2019-11-20T04:43:26.593"/>
     <p1510:client id="{B18E6FE7-6068-9FCE-AE1F-70A16DAD9485}" v="5" dt="2019-11-20T03:39:36.640"/>
-    <p1510:client id="{CA3D9638-CE97-4352-B78B-E445401923E5}" v="18" dt="2019-11-18T19:32:28.578"/>
   </p1510:revLst>
 </p1510:revInfo>
 </file>
 
 <file path=ppt/changesInfos/changesInfo1.xml><?xml version="1.0" encoding="utf-8"?>
 <pc:chgInfo xmlns:a="http://schemas.openxmlformats.org/drawingml/2006/main" xmlns:r="http://schemas.openxmlformats.org/officeDocument/2006/relationships" xmlns:ac="http://schemas.microsoft.com/office/drawing/2013/main/command" xmlns:pc="http://schemas.microsoft.com/office/powerpoint/2013/main/command">
-  <pc:docChgLst>
-    <pc:chgData name="Ancy Philip" userId="c87c753f-e07c-48da-b60c-7f3ff2351500" providerId="ADAL" clId="{CA3D9638-CE97-4352-B78B-E445401923E5}"/>
-    <pc:docChg chg="undo custSel delSld modSld">
-      <pc:chgData name="Ancy Philip" userId="c87c753f-e07c-48da-b60c-7f3ff2351500" providerId="ADAL" clId="{CA3D9638-CE97-4352-B78B-E445401923E5}" dt="2019-11-18T19:32:47.013" v="170" actId="1076"/>
-      <pc:docMkLst>
-        <pc:docMk/>
-      </pc:docMkLst>
-      <pc:sldChg chg="modSp mod">
-        <pc:chgData name="Ancy Philip" userId="c87c753f-e07c-48da-b60c-7f3ff2351500" providerId="ADAL" clId="{CA3D9638-CE97-4352-B78B-E445401923E5}" dt="2019-11-18T19:01:13.022" v="66" actId="20577"/>
-        <pc:sldMkLst>
-          <pc:docMk/>
-          <pc:sldMk cId="3972239566" sldId="287"/>
-        </pc:sldMkLst>
-        <pc:spChg chg="mod">
-          <ac:chgData name="Ancy Philip" userId="c87c753f-e07c-48da-b60c-7f3ff2351500" providerId="ADAL" clId="{CA3D9638-CE97-4352-B78B-E445401923E5}" dt="2019-11-18T19:01:13.022" v="66" actId="20577"/>
-          <ac:spMkLst>
-            <pc:docMk/>
-            <pc:sldMk cId="3972239566" sldId="287"/>
-            <ac:spMk id="3" creationId="{5EDE6252-42A0-4D85-80A0-D1295F984443}"/>
-          </ac:spMkLst>
-        </pc:spChg>
-      </pc:sldChg>
-      <pc:sldChg chg="modSp mod">
-        <pc:chgData name="Ancy Philip" userId="c87c753f-e07c-48da-b60c-7f3ff2351500" providerId="ADAL" clId="{CA3D9638-CE97-4352-B78B-E445401923E5}" dt="2019-11-18T19:00:57.212" v="56" actId="20577"/>
-        <pc:sldMkLst>
-          <pc:docMk/>
-          <pc:sldMk cId="3439007207" sldId="289"/>
-        </pc:sldMkLst>
-        <pc:spChg chg="mod">
-          <ac:chgData name="Ancy Philip" userId="c87c753f-e07c-48da-b60c-7f3ff2351500" providerId="ADAL" clId="{CA3D9638-CE97-4352-B78B-E445401923E5}" dt="2019-11-18T19:00:57.212" v="56" actId="20577"/>
-          <ac:spMkLst>
-            <pc:docMk/>
-            <pc:sldMk cId="3439007207" sldId="289"/>
-            <ac:spMk id="2" creationId="{32BCF245-659F-42B8-97CD-C4F3357B6691}"/>
-          </ac:spMkLst>
-        </pc:spChg>
-      </pc:sldChg>
-      <pc:sldChg chg="modSp mod">
-        <pc:chgData name="Ancy Philip" userId="c87c753f-e07c-48da-b60c-7f3ff2351500" providerId="ADAL" clId="{CA3D9638-CE97-4352-B78B-E445401923E5}" dt="2019-11-18T19:01:39.480" v="68" actId="20577"/>
-        <pc:sldMkLst>
-          <pc:docMk/>
-          <pc:sldMk cId="3711809223" sldId="291"/>
-        </pc:sldMkLst>
-        <pc:spChg chg="mod">
-          <ac:chgData name="Ancy Philip" userId="c87c753f-e07c-48da-b60c-7f3ff2351500" providerId="ADAL" clId="{CA3D9638-CE97-4352-B78B-E445401923E5}" dt="2019-11-18T19:01:39.480" v="68" actId="20577"/>
-          <ac:spMkLst>
-            <pc:docMk/>
-            <pc:sldMk cId="3711809223" sldId="291"/>
-            <ac:spMk id="3" creationId="{05AA1C4A-0BAC-4495-8BB6-BD6C15D0FB5C}"/>
-          </ac:spMkLst>
-        </pc:spChg>
-      </pc:sldChg>
-      <pc:sldChg chg="modSp mod">
-        <pc:chgData name="Ancy Philip" userId="c87c753f-e07c-48da-b60c-7f3ff2351500" providerId="ADAL" clId="{CA3D9638-CE97-4352-B78B-E445401923E5}" dt="2019-11-18T19:01:53.946" v="69" actId="5793"/>
-        <pc:sldMkLst>
-          <pc:docMk/>
-          <pc:sldMk cId="2628558397" sldId="293"/>
-        </pc:sldMkLst>
-        <pc:spChg chg="mod">
-          <ac:chgData name="Ancy Philip" userId="c87c753f-e07c-48da-b60c-7f3ff2351500" providerId="ADAL" clId="{CA3D9638-CE97-4352-B78B-E445401923E5}" dt="2019-11-18T19:01:53.946" v="69" actId="5793"/>
-          <ac:spMkLst>
-            <pc:docMk/>
-            <pc:sldMk cId="2628558397" sldId="293"/>
-            <ac:spMk id="3" creationId="{F78D8CA2-16B5-4A1D-A39A-A5711E763F54}"/>
-          </ac:spMkLst>
-        </pc:spChg>
-      </pc:sldChg>
-      <pc:sldChg chg="modSp mod">
-        <pc:chgData name="Ancy Philip" userId="c87c753f-e07c-48da-b60c-7f3ff2351500" providerId="ADAL" clId="{CA3D9638-CE97-4352-B78B-E445401923E5}" dt="2019-11-18T19:02:07.740" v="71" actId="20577"/>
-        <pc:sldMkLst>
-          <pc:docMk/>
-          <pc:sldMk cId="3080104112" sldId="294"/>
-        </pc:sldMkLst>
-        <pc:spChg chg="mod">
-          <ac:chgData name="Ancy Philip" userId="c87c753f-e07c-48da-b60c-7f3ff2351500" providerId="ADAL" clId="{CA3D9638-CE97-4352-B78B-E445401923E5}" dt="2019-11-18T19:02:07.740" v="71" actId="20577"/>
-          <ac:spMkLst>
-            <pc:docMk/>
-            <pc:sldMk cId="3080104112" sldId="294"/>
-            <ac:spMk id="3" creationId="{A8ADD107-39F6-4B8B-9BDA-40E2CBA1D82B}"/>
-          </ac:spMkLst>
-        </pc:spChg>
-      </pc:sldChg>
-      <pc:sldChg chg="modSp mod">
-        <pc:chgData name="Ancy Philip" userId="c87c753f-e07c-48da-b60c-7f3ff2351500" providerId="ADAL" clId="{CA3D9638-CE97-4352-B78B-E445401923E5}" dt="2019-11-18T19:02:12.689" v="72" actId="5793"/>
-        <pc:sldMkLst>
-          <pc:docMk/>
-          <pc:sldMk cId="3673850322" sldId="295"/>
-        </pc:sldMkLst>
-        <pc:spChg chg="mod">
-          <ac:chgData name="Ancy Philip" userId="c87c753f-e07c-48da-b60c-7f3ff2351500" providerId="ADAL" clId="{CA3D9638-CE97-4352-B78B-E445401923E5}" dt="2019-11-18T19:02:12.689" v="72" actId="5793"/>
-          <ac:spMkLst>
-            <pc:docMk/>
-            <pc:sldMk cId="3673850322" sldId="295"/>
-            <ac:spMk id="3" creationId="{326E2026-FCB0-4F0D-9A0A-7FC1BE33B459}"/>
-          </ac:spMkLst>
-        </pc:spChg>
-      </pc:sldChg>
-      <pc:sldChg chg="modSp mod">
-        <pc:chgData name="Ancy Philip" userId="c87c753f-e07c-48da-b60c-7f3ff2351500" providerId="ADAL" clId="{CA3D9638-CE97-4352-B78B-E445401923E5}" dt="2019-11-18T19:08:12.765" v="141" actId="5793"/>
-        <pc:sldMkLst>
-          <pc:docMk/>
-          <pc:sldMk cId="2989521834" sldId="296"/>
-        </pc:sldMkLst>
-        <pc:spChg chg="mod">
-          <ac:chgData name="Ancy Philip" userId="c87c753f-e07c-48da-b60c-7f3ff2351500" providerId="ADAL" clId="{CA3D9638-CE97-4352-B78B-E445401923E5}" dt="2019-11-18T19:08:12.765" v="141" actId="5793"/>
-          <ac:spMkLst>
-            <pc:docMk/>
-            <pc:sldMk cId="2989521834" sldId="296"/>
-            <ac:spMk id="3" creationId="{BA1D9286-9869-4FE1-819E-93F66289D556}"/>
-          </ac:spMkLst>
-        </pc:spChg>
-      </pc:sldChg>
-      <pc:sldChg chg="addSp delSp modSp mod">
-        <pc:chgData name="Ancy Philip" userId="c87c753f-e07c-48da-b60c-7f3ff2351500" providerId="ADAL" clId="{CA3D9638-CE97-4352-B78B-E445401923E5}" dt="2019-11-18T19:04:48.763" v="111" actId="20577"/>
-        <pc:sldMkLst>
-          <pc:docMk/>
-          <pc:sldMk cId="1184247847" sldId="297"/>
-        </pc:sldMkLst>
-        <pc:spChg chg="mod">
-          <ac:chgData name="Ancy Philip" userId="c87c753f-e07c-48da-b60c-7f3ff2351500" providerId="ADAL" clId="{CA3D9638-CE97-4352-B78B-E445401923E5}" dt="2019-11-18T19:04:48.763" v="111" actId="20577"/>
-          <ac:spMkLst>
-            <pc:docMk/>
-            <pc:sldMk cId="1184247847" sldId="297"/>
-            <ac:spMk id="3" creationId="{BC9EA7C4-19E4-4F19-BA97-9C0EC108EFE9}"/>
-          </ac:spMkLst>
-        </pc:spChg>
-        <pc:picChg chg="add mod">
-          <ac:chgData name="Ancy Philip" userId="c87c753f-e07c-48da-b60c-7f3ff2351500" providerId="ADAL" clId="{CA3D9638-CE97-4352-B78B-E445401923E5}" dt="2019-11-18T19:02:58.133" v="84" actId="14100"/>
-          <ac:picMkLst>
-            <pc:docMk/>
-            <pc:sldMk cId="1184247847" sldId="297"/>
-            <ac:picMk id="5" creationId="{86CA222D-3B89-4038-9847-73B7F8970F76}"/>
-          </ac:picMkLst>
-        </pc:picChg>
-        <pc:picChg chg="del">
-          <ac:chgData name="Ancy Philip" userId="c87c753f-e07c-48da-b60c-7f3ff2351500" providerId="ADAL" clId="{CA3D9638-CE97-4352-B78B-E445401923E5}" dt="2019-11-18T18:56:57.765" v="2" actId="478"/>
-          <ac:picMkLst>
-            <pc:docMk/>
-            <pc:sldMk cId="1184247847" sldId="297"/>
-            <ac:picMk id="10" creationId="{960EDC52-F2F0-4A38-8033-4190327B295B}"/>
-          </ac:picMkLst>
-        </pc:picChg>
-      </pc:sldChg>
-      <pc:sldChg chg="addSp modSp mod">
-        <pc:chgData name="Ancy Philip" userId="c87c753f-e07c-48da-b60c-7f3ff2351500" providerId="ADAL" clId="{CA3D9638-CE97-4352-B78B-E445401923E5}" dt="2019-11-18T19:03:27.600" v="99" actId="5793"/>
-        <pc:sldMkLst>
-          <pc:docMk/>
-          <pc:sldMk cId="4194250099" sldId="298"/>
-        </pc:sldMkLst>
-        <pc:spChg chg="mod">
-          <ac:chgData name="Ancy Philip" userId="c87c753f-e07c-48da-b60c-7f3ff2351500" providerId="ADAL" clId="{CA3D9638-CE97-4352-B78B-E445401923E5}" dt="2019-11-18T19:03:27.600" v="99" actId="5793"/>
-          <ac:spMkLst>
-            <pc:docMk/>
-            <pc:sldMk cId="4194250099" sldId="298"/>
-            <ac:spMk id="3" creationId="{CAB63FB1-C7A2-406A-A754-5B5DECA79CBB}"/>
-          </ac:spMkLst>
-        </pc:spChg>
-        <pc:picChg chg="add mod">
-          <ac:chgData name="Ancy Philip" userId="c87c753f-e07c-48da-b60c-7f3ff2351500" providerId="ADAL" clId="{CA3D9638-CE97-4352-B78B-E445401923E5}" dt="2019-11-18T19:03:26.140" v="98" actId="14100"/>
-          <ac:picMkLst>
-            <pc:docMk/>
-            <pc:sldMk cId="4194250099" sldId="298"/>
-            <ac:picMk id="5" creationId="{573D7656-8A96-45A7-8D7F-AD77AD0E9035}"/>
-          </ac:picMkLst>
-        </pc:picChg>
-      </pc:sldChg>
-      <pc:sldChg chg="addSp modSp mod">
-        <pc:chgData name="Ancy Philip" userId="c87c753f-e07c-48da-b60c-7f3ff2351500" providerId="ADAL" clId="{CA3D9638-CE97-4352-B78B-E445401923E5}" dt="2019-11-18T19:03:43.493" v="101" actId="1076"/>
-        <pc:sldMkLst>
-          <pc:docMk/>
-          <pc:sldMk cId="315622787" sldId="299"/>
-        </pc:sldMkLst>
-        <pc:picChg chg="add mod">
-          <ac:chgData name="Ancy Philip" userId="c87c753f-e07c-48da-b60c-7f3ff2351500" providerId="ADAL" clId="{CA3D9638-CE97-4352-B78B-E445401923E5}" dt="2019-11-18T19:03:43.493" v="101" actId="1076"/>
-          <ac:picMkLst>
-            <pc:docMk/>
-            <pc:sldMk cId="315622787" sldId="299"/>
-            <ac:picMk id="5" creationId="{1A49C8DF-0DB2-4815-917F-C9BB524B9B4C}"/>
-          </ac:picMkLst>
-        </pc:picChg>
-      </pc:sldChg>
-      <pc:sldChg chg="addSp delSp modSp mod">
-        <pc:chgData name="Ancy Philip" userId="c87c753f-e07c-48da-b60c-7f3ff2351500" providerId="ADAL" clId="{CA3D9638-CE97-4352-B78B-E445401923E5}" dt="2019-11-18T19:05:00.461" v="112" actId="5793"/>
-        <pc:sldMkLst>
-          <pc:docMk/>
-          <pc:sldMk cId="3904242751" sldId="300"/>
-        </pc:sldMkLst>
-        <pc:spChg chg="mod">
-          <ac:chgData name="Ancy Philip" userId="c87c753f-e07c-48da-b60c-7f3ff2351500" providerId="ADAL" clId="{CA3D9638-CE97-4352-B78B-E445401923E5}" dt="2019-11-18T19:05:00.461" v="112" actId="5793"/>
-          <ac:spMkLst>
-            <pc:docMk/>
-            <pc:sldMk cId="3904242751" sldId="300"/>
-            <ac:spMk id="3" creationId="{B49058B7-AA56-4EA6-8AAB-D96A97436EFA}"/>
-          </ac:spMkLst>
-        </pc:spChg>
-        <pc:picChg chg="del">
-          <ac:chgData name="Ancy Philip" userId="c87c753f-e07c-48da-b60c-7f3ff2351500" providerId="ADAL" clId="{CA3D9638-CE97-4352-B78B-E445401923E5}" dt="2019-11-18T18:57:34.003" v="4" actId="478"/>
-          <ac:picMkLst>
-            <pc:docMk/>
-            <pc:sldMk cId="3904242751" sldId="300"/>
-            <ac:picMk id="5" creationId="{1E4A03DB-5008-4027-B3D4-683CB8AB948F}"/>
-          </ac:picMkLst>
-        </pc:picChg>
-        <pc:picChg chg="add mod">
-          <ac:chgData name="Ancy Philip" userId="c87c753f-e07c-48da-b60c-7f3ff2351500" providerId="ADAL" clId="{CA3D9638-CE97-4352-B78B-E445401923E5}" dt="2019-11-18T19:04:15.038" v="103" actId="1076"/>
-          <ac:picMkLst>
-            <pc:docMk/>
-            <pc:sldMk cId="3904242751" sldId="300"/>
-            <ac:picMk id="6" creationId="{332E0D17-03E6-4CAB-9CAB-AF120743A2EE}"/>
-          </ac:picMkLst>
-        </pc:picChg>
-      </pc:sldChg>
-      <pc:sldChg chg="addSp modSp mod">
-        <pc:chgData name="Ancy Philip" userId="c87c753f-e07c-48da-b60c-7f3ff2351500" providerId="ADAL" clId="{CA3D9638-CE97-4352-B78B-E445401923E5}" dt="2019-11-18T19:05:26.926" v="120" actId="20577"/>
-        <pc:sldMkLst>
-          <pc:docMk/>
-          <pc:sldMk cId="2851160849" sldId="301"/>
-        </pc:sldMkLst>
-        <pc:spChg chg="mod">
-          <ac:chgData name="Ancy Philip" userId="c87c753f-e07c-48da-b60c-7f3ff2351500" providerId="ADAL" clId="{CA3D9638-CE97-4352-B78B-E445401923E5}" dt="2019-11-18T19:05:26.926" v="120" actId="20577"/>
-          <ac:spMkLst>
-            <pc:docMk/>
-            <pc:sldMk cId="2851160849" sldId="301"/>
-            <ac:spMk id="3" creationId="{19D8C78A-FFE2-468D-A609-E34EFFE0F886}"/>
-          </ac:spMkLst>
-        </pc:spChg>
-        <pc:picChg chg="add mod">
-          <ac:chgData name="Ancy Philip" userId="c87c753f-e07c-48da-b60c-7f3ff2351500" providerId="ADAL" clId="{CA3D9638-CE97-4352-B78B-E445401923E5}" dt="2019-11-18T19:05:12.198" v="115" actId="1076"/>
-          <ac:picMkLst>
-            <pc:docMk/>
-            <pc:sldMk cId="2851160849" sldId="301"/>
-            <ac:picMk id="5" creationId="{6DD020CA-281D-40BC-8A18-7658E71B63D2}"/>
-          </ac:picMkLst>
-        </pc:picChg>
-      </pc:sldChg>
-      <pc:sldChg chg="addSp modSp mod">
-        <pc:chgData name="Ancy Philip" userId="c87c753f-e07c-48da-b60c-7f3ff2351500" providerId="ADAL" clId="{CA3D9638-CE97-4352-B78B-E445401923E5}" dt="2019-11-18T19:05:47.011" v="124" actId="5793"/>
-        <pc:sldMkLst>
-          <pc:docMk/>
-          <pc:sldMk cId="3836335050" sldId="302"/>
-        </pc:sldMkLst>
-        <pc:spChg chg="mod">
-          <ac:chgData name="Ancy Philip" userId="c87c753f-e07c-48da-b60c-7f3ff2351500" providerId="ADAL" clId="{CA3D9638-CE97-4352-B78B-E445401923E5}" dt="2019-11-18T19:05:47.011" v="124" actId="5793"/>
-          <ac:spMkLst>
-            <pc:docMk/>
-            <pc:sldMk cId="3836335050" sldId="302"/>
-            <ac:spMk id="3" creationId="{985BDB55-5E0B-4D7E-A209-6EDDF927BFD8}"/>
-          </ac:spMkLst>
-        </pc:spChg>
-        <pc:picChg chg="add mod">
-          <ac:chgData name="Ancy Philip" userId="c87c753f-e07c-48da-b60c-7f3ff2351500" providerId="ADAL" clId="{CA3D9638-CE97-4352-B78B-E445401923E5}" dt="2019-11-18T19:05:45.173" v="123" actId="14100"/>
-          <ac:picMkLst>
-            <pc:docMk/>
-            <pc:sldMk cId="3836335050" sldId="302"/>
-            <ac:picMk id="5" creationId="{DCB491A9-4016-4D95-8B10-1A1082230A9A}"/>
-          </ac:picMkLst>
-        </pc:picChg>
-      </pc:sldChg>
-      <pc:sldChg chg="addSp modSp mod">
-        <pc:chgData name="Ancy Philip" userId="c87c753f-e07c-48da-b60c-7f3ff2351500" providerId="ADAL" clId="{CA3D9638-CE97-4352-B78B-E445401923E5}" dt="2019-11-18T19:06:00.867" v="126" actId="5793"/>
-        <pc:sldMkLst>
-          <pc:docMk/>
-          <pc:sldMk cId="3181082061" sldId="303"/>
-        </pc:sldMkLst>
-        <pc:spChg chg="mod">
-          <ac:chgData name="Ancy Philip" userId="c87c753f-e07c-48da-b60c-7f3ff2351500" providerId="ADAL" clId="{CA3D9638-CE97-4352-B78B-E445401923E5}" dt="2019-11-18T19:06:00.867" v="126" actId="5793"/>
-          <ac:spMkLst>
-            <pc:docMk/>
-            <pc:sldMk cId="3181082061" sldId="303"/>
-            <ac:spMk id="3" creationId="{AD86F911-7211-4147-B0ED-6C6ADF593D7D}"/>
-          </ac:spMkLst>
-        </pc:spChg>
-        <pc:picChg chg="add mod">
-          <ac:chgData name="Ancy Philip" userId="c87c753f-e07c-48da-b60c-7f3ff2351500" providerId="ADAL" clId="{CA3D9638-CE97-4352-B78B-E445401923E5}" dt="2019-11-18T19:05:58.560" v="125" actId="1076"/>
-          <ac:picMkLst>
-            <pc:docMk/>
-            <pc:sldMk cId="3181082061" sldId="303"/>
-            <ac:picMk id="5" creationId="{ECC5333F-90D2-4B86-AF9D-07BC793A7B94}"/>
-          </ac:picMkLst>
-        </pc:picChg>
-      </pc:sldChg>
-      <pc:sldChg chg="addSp delSp modSp mod">
-        <pc:chgData name="Ancy Philip" userId="c87c753f-e07c-48da-b60c-7f3ff2351500" providerId="ADAL" clId="{CA3D9638-CE97-4352-B78B-E445401923E5}" dt="2019-11-18T19:29:22.693" v="152" actId="1076"/>
-        <pc:sldMkLst>
-          <pc:docMk/>
-          <pc:sldMk cId="2294337140" sldId="304"/>
-        </pc:sldMkLst>
-        <pc:spChg chg="mod">
-          <ac:chgData name="Ancy Philip" userId="c87c753f-e07c-48da-b60c-7f3ff2351500" providerId="ADAL" clId="{CA3D9638-CE97-4352-B78B-E445401923E5}" dt="2019-11-18T19:06:17.595" v="127" actId="5793"/>
-          <ac:spMkLst>
-            <pc:docMk/>
-            <pc:sldMk cId="2294337140" sldId="304"/>
-            <ac:spMk id="3" creationId="{03450F9B-9190-4271-85F1-C86573CD4837}"/>
-          </ac:spMkLst>
-        </pc:spChg>
-        <pc:picChg chg="add del">
-          <ac:chgData name="Ancy Philip" userId="c87c753f-e07c-48da-b60c-7f3ff2351500" providerId="ADAL" clId="{CA3D9638-CE97-4352-B78B-E445401923E5}" dt="2019-11-18T19:28:14.897" v="144" actId="478"/>
-          <ac:picMkLst>
-            <pc:docMk/>
-            <pc:sldMk cId="2294337140" sldId="304"/>
-            <ac:picMk id="5" creationId="{2073CB48-A117-4C3B-B2FD-5DA4CD390948}"/>
-          </ac:picMkLst>
-        </pc:picChg>
-        <pc:picChg chg="add del">
-          <ac:chgData name="Ancy Philip" userId="c87c753f-e07c-48da-b60c-7f3ff2351500" providerId="ADAL" clId="{CA3D9638-CE97-4352-B78B-E445401923E5}" dt="2019-11-18T19:29:10.880" v="146" actId="478"/>
-          <ac:picMkLst>
-            <pc:docMk/>
-            <pc:sldMk cId="2294337140" sldId="304"/>
-            <ac:picMk id="6" creationId="{3355BEAE-3C69-4104-956D-E069948824FA}"/>
-          </ac:picMkLst>
-        </pc:picChg>
-        <pc:picChg chg="add mod">
-          <ac:chgData name="Ancy Philip" userId="c87c753f-e07c-48da-b60c-7f3ff2351500" providerId="ADAL" clId="{CA3D9638-CE97-4352-B78B-E445401923E5}" dt="2019-11-18T19:29:22.693" v="152" actId="1076"/>
-          <ac:picMkLst>
-            <pc:docMk/>
-            <pc:sldMk cId="2294337140" sldId="304"/>
-            <ac:picMk id="7" creationId="{33F9B2E7-BA0A-4D25-BD1F-63EA965A4FD6}"/>
-          </ac:picMkLst>
-        </pc:picChg>
-      </pc:sldChg>
-      <pc:sldChg chg="addSp delSp modSp mod">
-        <pc:chgData name="Ancy Philip" userId="c87c753f-e07c-48da-b60c-7f3ff2351500" providerId="ADAL" clId="{CA3D9638-CE97-4352-B78B-E445401923E5}" dt="2019-11-18T19:31:39.337" v="162" actId="14100"/>
-        <pc:sldMkLst>
-          <pc:docMk/>
-          <pc:sldMk cId="2414613780" sldId="305"/>
-        </pc:sldMkLst>
-        <pc:spChg chg="mod">
-          <ac:chgData name="Ancy Philip" userId="c87c753f-e07c-48da-b60c-7f3ff2351500" providerId="ADAL" clId="{CA3D9638-CE97-4352-B78B-E445401923E5}" dt="2019-11-18T19:06:46.214" v="129" actId="5793"/>
-          <ac:spMkLst>
-            <pc:docMk/>
-            <pc:sldMk cId="2414613780" sldId="305"/>
-            <ac:spMk id="3" creationId="{F0832DD4-DBF7-4307-A385-069A605A29A3}"/>
-          </ac:spMkLst>
-        </pc:spChg>
-        <pc:spChg chg="mod">
-          <ac:chgData name="Ancy Philip" userId="c87c753f-e07c-48da-b60c-7f3ff2351500" providerId="ADAL" clId="{CA3D9638-CE97-4352-B78B-E445401923E5}" dt="2019-11-18T19:31:31.975" v="159" actId="1076"/>
-          <ac:spMkLst>
-            <pc:docMk/>
-            <pc:sldMk cId="2414613780" sldId="305"/>
-            <ac:spMk id="4" creationId="{D551D86C-82B9-411C-BDFF-2B64140AB8D3}"/>
-          </ac:spMkLst>
-        </pc:spChg>
-        <pc:picChg chg="add del mod">
-          <ac:chgData name="Ancy Philip" userId="c87c753f-e07c-48da-b60c-7f3ff2351500" providerId="ADAL" clId="{CA3D9638-CE97-4352-B78B-E445401923E5}" dt="2019-11-18T19:31:32.553" v="160"/>
-          <ac:picMkLst>
-            <pc:docMk/>
-            <pc:sldMk cId="2414613780" sldId="305"/>
-            <ac:picMk id="5" creationId="{B0365CAD-E90C-4A98-B11B-95EBE0F74C50}"/>
-          </ac:picMkLst>
-        </pc:picChg>
-        <pc:picChg chg="add mod">
-          <ac:chgData name="Ancy Philip" userId="c87c753f-e07c-48da-b60c-7f3ff2351500" providerId="ADAL" clId="{CA3D9638-CE97-4352-B78B-E445401923E5}" dt="2019-11-18T19:31:39.337" v="162" actId="14100"/>
-          <ac:picMkLst>
-            <pc:docMk/>
-            <pc:sldMk cId="2414613780" sldId="305"/>
-            <ac:picMk id="6" creationId="{65E0529A-2E20-42DE-8D7A-DB4681818933}"/>
-          </ac:picMkLst>
-        </pc:picChg>
-      </pc:sldChg>
-      <pc:sldChg chg="addSp modSp mod">
-        <pc:chgData name="Ancy Philip" userId="c87c753f-e07c-48da-b60c-7f3ff2351500" providerId="ADAL" clId="{CA3D9638-CE97-4352-B78B-E445401923E5}" dt="2019-11-18T19:30:38.722" v="154" actId="14100"/>
-        <pc:sldMkLst>
-          <pc:docMk/>
-          <pc:sldMk cId="4219759677" sldId="306"/>
-        </pc:sldMkLst>
-        <pc:spChg chg="mod">
-          <ac:chgData name="Ancy Philip" userId="c87c753f-e07c-48da-b60c-7f3ff2351500" providerId="ADAL" clId="{CA3D9638-CE97-4352-B78B-E445401923E5}" dt="2019-11-18T19:06:42.970" v="128" actId="5793"/>
-          <ac:spMkLst>
-            <pc:docMk/>
-            <pc:sldMk cId="4219759677" sldId="306"/>
-            <ac:spMk id="3" creationId="{A4E12C51-5254-4240-AA0F-97768D6705BC}"/>
-          </ac:spMkLst>
-        </pc:spChg>
-        <pc:picChg chg="add mod">
-          <ac:chgData name="Ancy Philip" userId="c87c753f-e07c-48da-b60c-7f3ff2351500" providerId="ADAL" clId="{CA3D9638-CE97-4352-B78B-E445401923E5}" dt="2019-11-18T19:30:38.722" v="154" actId="14100"/>
-          <ac:picMkLst>
-            <pc:docMk/>
-            <pc:sldMk cId="4219759677" sldId="306"/>
-            <ac:picMk id="5" creationId="{45110293-CEF6-4344-840B-5A6B13D02423}"/>
-          </ac:picMkLst>
-        </pc:picChg>
-      </pc:sldChg>
-      <pc:sldChg chg="addSp modSp mod">
-        <pc:chgData name="Ancy Philip" userId="c87c753f-e07c-48da-b60c-7f3ff2351500" providerId="ADAL" clId="{CA3D9638-CE97-4352-B78B-E445401923E5}" dt="2019-11-18T19:32:47.013" v="170" actId="1076"/>
-        <pc:sldMkLst>
-          <pc:docMk/>
-          <pc:sldMk cId="1084999003" sldId="307"/>
-        </pc:sldMkLst>
-        <pc:spChg chg="mod">
-          <ac:chgData name="Ancy Philip" userId="c87c753f-e07c-48da-b60c-7f3ff2351500" providerId="ADAL" clId="{CA3D9638-CE97-4352-B78B-E445401923E5}" dt="2019-11-18T19:06:56.972" v="130" actId="5793"/>
-          <ac:spMkLst>
-            <pc:docMk/>
-            <pc:sldMk cId="1084999003" sldId="307"/>
-            <ac:spMk id="3" creationId="{876DDBFD-893D-48BC-B3CB-4E98A918CDF8}"/>
-          </ac:spMkLst>
-        </pc:spChg>
-        <pc:picChg chg="add mod">
-          <ac:chgData name="Ancy Philip" userId="c87c753f-e07c-48da-b60c-7f3ff2351500" providerId="ADAL" clId="{CA3D9638-CE97-4352-B78B-E445401923E5}" dt="2019-11-18T19:32:47.013" v="170" actId="1076"/>
-          <ac:picMkLst>
-            <pc:docMk/>
-            <pc:sldMk cId="1084999003" sldId="307"/>
-            <ac:picMk id="5" creationId="{E4BC0C77-0C94-47D8-8905-9D265E2ADF04}"/>
-          </ac:picMkLst>
-        </pc:picChg>
-      </pc:sldChg>
-      <pc:sldChg chg="addSp modSp mod">
-        <pc:chgData name="Ancy Philip" userId="c87c753f-e07c-48da-b60c-7f3ff2351500" providerId="ADAL" clId="{CA3D9638-CE97-4352-B78B-E445401923E5}" dt="2019-11-18T19:32:39.684" v="169" actId="14100"/>
-        <pc:sldMkLst>
-          <pc:docMk/>
-          <pc:sldMk cId="696791471" sldId="308"/>
-        </pc:sldMkLst>
-        <pc:spChg chg="mod">
-          <ac:chgData name="Ancy Philip" userId="c87c753f-e07c-48da-b60c-7f3ff2351500" providerId="ADAL" clId="{CA3D9638-CE97-4352-B78B-E445401923E5}" dt="2019-11-18T19:08:41.687" v="142" actId="20577"/>
-          <ac:spMkLst>
-            <pc:docMk/>
-            <pc:sldMk cId="696791471" sldId="308"/>
-            <ac:spMk id="3" creationId="{3CEB48B7-603C-48EE-9128-5728CF85F9CD}"/>
-          </ac:spMkLst>
-        </pc:spChg>
-        <pc:picChg chg="add mod">
-          <ac:chgData name="Ancy Philip" userId="c87c753f-e07c-48da-b60c-7f3ff2351500" providerId="ADAL" clId="{CA3D9638-CE97-4352-B78B-E445401923E5}" dt="2019-11-18T19:32:39.684" v="169" actId="14100"/>
-          <ac:picMkLst>
-            <pc:docMk/>
-            <pc:sldMk cId="696791471" sldId="308"/>
-            <ac:picMk id="5" creationId="{31820DFC-5BA0-4AF8-BFEC-F692411053CD}"/>
-          </ac:picMkLst>
-        </pc:picChg>
-      </pc:sldChg>
-      <pc:sldChg chg="modSp del mod">
-        <pc:chgData name="Ancy Philip" userId="c87c753f-e07c-48da-b60c-7f3ff2351500" providerId="ADAL" clId="{CA3D9638-CE97-4352-B78B-E445401923E5}" dt="2019-11-18T19:07:45.354" v="136" actId="47"/>
-        <pc:sldMkLst>
-          <pc:docMk/>
-          <pc:sldMk cId="1643855795" sldId="309"/>
-        </pc:sldMkLst>
-        <pc:spChg chg="mod">
-          <ac:chgData name="Ancy Philip" userId="c87c753f-e07c-48da-b60c-7f3ff2351500" providerId="ADAL" clId="{CA3D9638-CE97-4352-B78B-E445401923E5}" dt="2019-11-18T19:07:43.728" v="135" actId="21"/>
-          <ac:spMkLst>
-            <pc:docMk/>
-            <pc:sldMk cId="1643855795" sldId="309"/>
-            <ac:spMk id="3" creationId="{7BA6BC2A-3D4E-4724-9609-1E11AAA157C5}"/>
-          </ac:spMkLst>
-        </pc:spChg>
-      </pc:sldChg>
-      <pc:sldChg chg="modSp mod">
-        <pc:chgData name="Ancy Philip" userId="c87c753f-e07c-48da-b60c-7f3ff2351500" providerId="ADAL" clId="{CA3D9638-CE97-4352-B78B-E445401923E5}" dt="2019-11-18T19:07:19.490" v="133" actId="5793"/>
-        <pc:sldMkLst>
-          <pc:docMk/>
-          <pc:sldMk cId="679144905" sldId="310"/>
-        </pc:sldMkLst>
-        <pc:spChg chg="mod">
-          <ac:chgData name="Ancy Philip" userId="c87c753f-e07c-48da-b60c-7f3ff2351500" providerId="ADAL" clId="{CA3D9638-CE97-4352-B78B-E445401923E5}" dt="2019-11-18T19:07:19.490" v="133" actId="5793"/>
-          <ac:spMkLst>
-            <pc:docMk/>
-            <pc:sldMk cId="679144905" sldId="310"/>
-            <ac:spMk id="3" creationId="{F3540060-FC7C-4E70-A62C-248CC481C446}"/>
-          </ac:spMkLst>
-        </pc:spChg>
-      </pc:sldChg>
-    </pc:docChg>
-  </pc:docChgLst>
   <pc:docChgLst>
     <pc:chgData name="Pavan Kemparaju" userId="S::pakempar@microsoft.com::928c6752-3e35-425d-9e45-01bb5284723b" providerId="AD" clId="Web-{B18E6FE7-6068-9FCE-AE1F-70A16DAD9485}"/>
     <pc:docChg chg="modSld">
@@ -941,6 +482,1088 @@
             <pc:docMk/>
             <pc:sldMk cId="679144905" sldId="310"/>
             <ac:spMk id="4" creationId="{5A0C8CEF-10DF-43FF-A6CD-E34ACBF0E3FC}"/>
+          </ac:spMkLst>
+        </pc:spChg>
+      </pc:sldChg>
+    </pc:docChg>
+  </pc:docChgLst>
+  <pc:docChgLst>
+    <pc:chgData name="Ancy Philip" userId="c87c753f-e07c-48da-b60c-7f3ff2351500" providerId="ADAL" clId="{258CB2A0-CF85-49A1-8054-9F05CD6ED8F3}"/>
+    <pc:docChg chg="undo custSel modSld">
+      <pc:chgData name="Ancy Philip" userId="c87c753f-e07c-48da-b60c-7f3ff2351500" providerId="ADAL" clId="{258CB2A0-CF85-49A1-8054-9F05CD6ED8F3}" dt="2019-11-20T04:41:55.069" v="124" actId="20577"/>
+      <pc:docMkLst>
+        <pc:docMk/>
+      </pc:docMkLst>
+      <pc:sldChg chg="modSp mod">
+        <pc:chgData name="Ancy Philip" userId="c87c753f-e07c-48da-b60c-7f3ff2351500" providerId="ADAL" clId="{258CB2A0-CF85-49A1-8054-9F05CD6ED8F3}" dt="2019-11-20T04:38:29.534" v="106" actId="27636"/>
+        <pc:sldMkLst>
+          <pc:docMk/>
+          <pc:sldMk cId="3711809223" sldId="291"/>
+        </pc:sldMkLst>
+        <pc:spChg chg="mod">
+          <ac:chgData name="Ancy Philip" userId="c87c753f-e07c-48da-b60c-7f3ff2351500" providerId="ADAL" clId="{258CB2A0-CF85-49A1-8054-9F05CD6ED8F3}" dt="2019-11-20T04:38:29.534" v="106" actId="27636"/>
+          <ac:spMkLst>
+            <pc:docMk/>
+            <pc:sldMk cId="3711809223" sldId="291"/>
+            <ac:spMk id="3" creationId="{05AA1C4A-0BAC-4495-8BB6-BD6C15D0FB5C}"/>
+          </ac:spMkLst>
+        </pc:spChg>
+      </pc:sldChg>
+      <pc:sldChg chg="modSp mod">
+        <pc:chgData name="Ancy Philip" userId="c87c753f-e07c-48da-b60c-7f3ff2351500" providerId="ADAL" clId="{258CB2A0-CF85-49A1-8054-9F05CD6ED8F3}" dt="2019-11-20T04:32:20.326" v="41" actId="5793"/>
+        <pc:sldMkLst>
+          <pc:docMk/>
+          <pc:sldMk cId="3080104112" sldId="294"/>
+        </pc:sldMkLst>
+        <pc:spChg chg="mod">
+          <ac:chgData name="Ancy Philip" userId="c87c753f-e07c-48da-b60c-7f3ff2351500" providerId="ADAL" clId="{258CB2A0-CF85-49A1-8054-9F05CD6ED8F3}" dt="2019-11-20T04:32:20.326" v="41" actId="5793"/>
+          <ac:spMkLst>
+            <pc:docMk/>
+            <pc:sldMk cId="3080104112" sldId="294"/>
+            <ac:spMk id="3" creationId="{A8ADD107-39F6-4B8B-9BDA-40E2CBA1D82B}"/>
+          </ac:spMkLst>
+        </pc:spChg>
+      </pc:sldChg>
+      <pc:sldChg chg="modSp mod">
+        <pc:chgData name="Ancy Philip" userId="c87c753f-e07c-48da-b60c-7f3ff2351500" providerId="ADAL" clId="{258CB2A0-CF85-49A1-8054-9F05CD6ED8F3}" dt="2019-11-20T04:32:30.868" v="43" actId="5793"/>
+        <pc:sldMkLst>
+          <pc:docMk/>
+          <pc:sldMk cId="3673850322" sldId="295"/>
+        </pc:sldMkLst>
+        <pc:spChg chg="mod">
+          <ac:chgData name="Ancy Philip" userId="c87c753f-e07c-48da-b60c-7f3ff2351500" providerId="ADAL" clId="{258CB2A0-CF85-49A1-8054-9F05CD6ED8F3}" dt="2019-11-20T04:32:30.868" v="43" actId="5793"/>
+          <ac:spMkLst>
+            <pc:docMk/>
+            <pc:sldMk cId="3673850322" sldId="295"/>
+            <ac:spMk id="3" creationId="{326E2026-FCB0-4F0D-9A0A-7FC1BE33B459}"/>
+          </ac:spMkLst>
+        </pc:spChg>
+      </pc:sldChg>
+      <pc:sldChg chg="modSp mod">
+        <pc:chgData name="Ancy Philip" userId="c87c753f-e07c-48da-b60c-7f3ff2351500" providerId="ADAL" clId="{258CB2A0-CF85-49A1-8054-9F05CD6ED8F3}" dt="2019-11-20T04:29:21.608" v="1" actId="5793"/>
+        <pc:sldMkLst>
+          <pc:docMk/>
+          <pc:sldMk cId="2989521834" sldId="296"/>
+        </pc:sldMkLst>
+        <pc:spChg chg="mod">
+          <ac:chgData name="Ancy Philip" userId="c87c753f-e07c-48da-b60c-7f3ff2351500" providerId="ADAL" clId="{258CB2A0-CF85-49A1-8054-9F05CD6ED8F3}" dt="2019-11-20T04:29:21.608" v="1" actId="5793"/>
+          <ac:spMkLst>
+            <pc:docMk/>
+            <pc:sldMk cId="2989521834" sldId="296"/>
+            <ac:spMk id="3" creationId="{BA1D9286-9869-4FE1-819E-93F66289D556}"/>
+          </ac:spMkLst>
+        </pc:spChg>
+      </pc:sldChg>
+      <pc:sldChg chg="modSp mod">
+        <pc:chgData name="Ancy Philip" userId="c87c753f-e07c-48da-b60c-7f3ff2351500" providerId="ADAL" clId="{258CB2A0-CF85-49A1-8054-9F05CD6ED8F3}" dt="2019-11-20T04:33:27.613" v="56" actId="5793"/>
+        <pc:sldMkLst>
+          <pc:docMk/>
+          <pc:sldMk cId="1184247847" sldId="297"/>
+        </pc:sldMkLst>
+        <pc:spChg chg="mod">
+          <ac:chgData name="Ancy Philip" userId="c87c753f-e07c-48da-b60c-7f3ff2351500" providerId="ADAL" clId="{258CB2A0-CF85-49A1-8054-9F05CD6ED8F3}" dt="2019-11-20T04:33:27.613" v="56" actId="5793"/>
+          <ac:spMkLst>
+            <pc:docMk/>
+            <pc:sldMk cId="1184247847" sldId="297"/>
+            <ac:spMk id="3" creationId="{BC9EA7C4-19E4-4F19-BA97-9C0EC108EFE9}"/>
+          </ac:spMkLst>
+        </pc:spChg>
+      </pc:sldChg>
+      <pc:sldChg chg="modSp mod">
+        <pc:chgData name="Ancy Philip" userId="c87c753f-e07c-48da-b60c-7f3ff2351500" providerId="ADAL" clId="{258CB2A0-CF85-49A1-8054-9F05CD6ED8F3}" dt="2019-11-20T04:33:22.431" v="53" actId="5793"/>
+        <pc:sldMkLst>
+          <pc:docMk/>
+          <pc:sldMk cId="4194250099" sldId="298"/>
+        </pc:sldMkLst>
+        <pc:spChg chg="mod">
+          <ac:chgData name="Ancy Philip" userId="c87c753f-e07c-48da-b60c-7f3ff2351500" providerId="ADAL" clId="{258CB2A0-CF85-49A1-8054-9F05CD6ED8F3}" dt="2019-11-20T04:33:22.431" v="53" actId="5793"/>
+          <ac:spMkLst>
+            <pc:docMk/>
+            <pc:sldMk cId="4194250099" sldId="298"/>
+            <ac:spMk id="3" creationId="{CAB63FB1-C7A2-406A-A754-5B5DECA79CBB}"/>
+          </ac:spMkLst>
+        </pc:spChg>
+      </pc:sldChg>
+      <pc:sldChg chg="modSp mod">
+        <pc:chgData name="Ancy Philip" userId="c87c753f-e07c-48da-b60c-7f3ff2351500" providerId="ADAL" clId="{258CB2A0-CF85-49A1-8054-9F05CD6ED8F3}" dt="2019-11-20T04:39:53.465" v="122" actId="20577"/>
+        <pc:sldMkLst>
+          <pc:docMk/>
+          <pc:sldMk cId="315622787" sldId="299"/>
+        </pc:sldMkLst>
+        <pc:spChg chg="mod">
+          <ac:chgData name="Ancy Philip" userId="c87c753f-e07c-48da-b60c-7f3ff2351500" providerId="ADAL" clId="{258CB2A0-CF85-49A1-8054-9F05CD6ED8F3}" dt="2019-11-20T04:39:53.465" v="122" actId="20577"/>
+          <ac:spMkLst>
+            <pc:docMk/>
+            <pc:sldMk cId="315622787" sldId="299"/>
+            <ac:spMk id="3" creationId="{DC17EE0C-F6AB-4DF8-B033-ADFAF7D2DD13}"/>
+          </ac:spMkLst>
+        </pc:spChg>
+      </pc:sldChg>
+      <pc:sldChg chg="modSp mod">
+        <pc:chgData name="Ancy Philip" userId="c87c753f-e07c-48da-b60c-7f3ff2351500" providerId="ADAL" clId="{258CB2A0-CF85-49A1-8054-9F05CD6ED8F3}" dt="2019-11-20T04:35:00.965" v="100" actId="20577"/>
+        <pc:sldMkLst>
+          <pc:docMk/>
+          <pc:sldMk cId="3181082061" sldId="303"/>
+        </pc:sldMkLst>
+        <pc:spChg chg="mod">
+          <ac:chgData name="Ancy Philip" userId="c87c753f-e07c-48da-b60c-7f3ff2351500" providerId="ADAL" clId="{258CB2A0-CF85-49A1-8054-9F05CD6ED8F3}" dt="2019-11-20T04:35:00.965" v="100" actId="20577"/>
+          <ac:spMkLst>
+            <pc:docMk/>
+            <pc:sldMk cId="3181082061" sldId="303"/>
+            <ac:spMk id="3" creationId="{AD86F911-7211-4147-B0ED-6C6ADF593D7D}"/>
+          </ac:spMkLst>
+        </pc:spChg>
+      </pc:sldChg>
+      <pc:sldChg chg="modSp mod">
+        <pc:chgData name="Ancy Philip" userId="c87c753f-e07c-48da-b60c-7f3ff2351500" providerId="ADAL" clId="{258CB2A0-CF85-49A1-8054-9F05CD6ED8F3}" dt="2019-11-20T04:41:55.069" v="124" actId="20577"/>
+        <pc:sldMkLst>
+          <pc:docMk/>
+          <pc:sldMk cId="1084999003" sldId="307"/>
+        </pc:sldMkLst>
+        <pc:spChg chg="mod">
+          <ac:chgData name="Ancy Philip" userId="c87c753f-e07c-48da-b60c-7f3ff2351500" providerId="ADAL" clId="{258CB2A0-CF85-49A1-8054-9F05CD6ED8F3}" dt="2019-11-20T04:41:55.069" v="124" actId="20577"/>
+          <ac:spMkLst>
+            <pc:docMk/>
+            <pc:sldMk cId="1084999003" sldId="307"/>
+            <ac:spMk id="3" creationId="{876DDBFD-893D-48BC-B3CB-4E98A918CDF8}"/>
+          </ac:spMkLst>
+        </pc:spChg>
+      </pc:sldChg>
+    </pc:docChg>
+  </pc:docChgLst>
+  <pc:docChgLst>
+    <pc:chgData name="Pavan Kemparaju" userId="928c6752-3e35-425d-9e45-01bb5284723b" providerId="ADAL" clId="{A9C1F5EC-8C29-44E6-AD09-470BFA5CC83A}"/>
+    <pc:docChg chg="undo custSel modSld">
+      <pc:chgData name="Pavan Kemparaju" userId="928c6752-3e35-425d-9e45-01bb5284723b" providerId="ADAL" clId="{A9C1F5EC-8C29-44E6-AD09-470BFA5CC83A}" dt="2019-11-20T04:43:26.593" v="104" actId="1076"/>
+      <pc:docMkLst>
+        <pc:docMk/>
+      </pc:docMkLst>
+      <pc:sldChg chg="modSp mod">
+        <pc:chgData name="Pavan Kemparaju" userId="928c6752-3e35-425d-9e45-01bb5284723b" providerId="ADAL" clId="{A9C1F5EC-8C29-44E6-AD09-470BFA5CC83A}" dt="2019-11-20T04:33:33.751" v="21" actId="1076"/>
+        <pc:sldMkLst>
+          <pc:docMk/>
+          <pc:sldMk cId="3711809223" sldId="291"/>
+        </pc:sldMkLst>
+        <pc:picChg chg="mod">
+          <ac:chgData name="Pavan Kemparaju" userId="928c6752-3e35-425d-9e45-01bb5284723b" providerId="ADAL" clId="{A9C1F5EC-8C29-44E6-AD09-470BFA5CC83A}" dt="2019-11-20T04:33:33.751" v="21" actId="1076"/>
+          <ac:picMkLst>
+            <pc:docMk/>
+            <pc:sldMk cId="3711809223" sldId="291"/>
+            <ac:picMk id="6" creationId="{303F91D7-A5A1-4B58-99C3-740BFE3197FA}"/>
+          </ac:picMkLst>
+        </pc:picChg>
+      </pc:sldChg>
+      <pc:sldChg chg="modSp mod">
+        <pc:chgData name="Pavan Kemparaju" userId="928c6752-3e35-425d-9e45-01bb5284723b" providerId="ADAL" clId="{A9C1F5EC-8C29-44E6-AD09-470BFA5CC83A}" dt="2019-11-20T04:33:41.430" v="22" actId="1076"/>
+        <pc:sldMkLst>
+          <pc:docMk/>
+          <pc:sldMk cId="1190614899" sldId="292"/>
+        </pc:sldMkLst>
+        <pc:picChg chg="mod">
+          <ac:chgData name="Pavan Kemparaju" userId="928c6752-3e35-425d-9e45-01bb5284723b" providerId="ADAL" clId="{A9C1F5EC-8C29-44E6-AD09-470BFA5CC83A}" dt="2019-11-20T04:33:41.430" v="22" actId="1076"/>
+          <ac:picMkLst>
+            <pc:docMk/>
+            <pc:sldMk cId="1190614899" sldId="292"/>
+            <ac:picMk id="9" creationId="{77417B56-3334-4273-809D-069B8BFD81EB}"/>
+          </ac:picMkLst>
+        </pc:picChg>
+      </pc:sldChg>
+      <pc:sldChg chg="modSp mod">
+        <pc:chgData name="Pavan Kemparaju" userId="928c6752-3e35-425d-9e45-01bb5284723b" providerId="ADAL" clId="{A9C1F5EC-8C29-44E6-AD09-470BFA5CC83A}" dt="2019-11-20T04:33:48.033" v="23" actId="1076"/>
+        <pc:sldMkLst>
+          <pc:docMk/>
+          <pc:sldMk cId="2628558397" sldId="293"/>
+        </pc:sldMkLst>
+        <pc:picChg chg="mod">
+          <ac:chgData name="Pavan Kemparaju" userId="928c6752-3e35-425d-9e45-01bb5284723b" providerId="ADAL" clId="{A9C1F5EC-8C29-44E6-AD09-470BFA5CC83A}" dt="2019-11-20T04:33:48.033" v="23" actId="1076"/>
+          <ac:picMkLst>
+            <pc:docMk/>
+            <pc:sldMk cId="2628558397" sldId="293"/>
+            <ac:picMk id="8" creationId="{6E64FD6C-07F3-4826-8438-6B2EED5D6B15}"/>
+          </ac:picMkLst>
+        </pc:picChg>
+      </pc:sldChg>
+      <pc:sldChg chg="modSp mod">
+        <pc:chgData name="Pavan Kemparaju" userId="928c6752-3e35-425d-9e45-01bb5284723b" providerId="ADAL" clId="{A9C1F5EC-8C29-44E6-AD09-470BFA5CC83A}" dt="2019-11-20T04:33:55.046" v="24" actId="1076"/>
+        <pc:sldMkLst>
+          <pc:docMk/>
+          <pc:sldMk cId="3080104112" sldId="294"/>
+        </pc:sldMkLst>
+        <pc:picChg chg="mod">
+          <ac:chgData name="Pavan Kemparaju" userId="928c6752-3e35-425d-9e45-01bb5284723b" providerId="ADAL" clId="{A9C1F5EC-8C29-44E6-AD09-470BFA5CC83A}" dt="2019-11-20T04:33:55.046" v="24" actId="1076"/>
+          <ac:picMkLst>
+            <pc:docMk/>
+            <pc:sldMk cId="3080104112" sldId="294"/>
+            <ac:picMk id="7" creationId="{C3C4D418-99EB-4183-B4CB-6324B013BCEB}"/>
+          </ac:picMkLst>
+        </pc:picChg>
+      </pc:sldChg>
+      <pc:sldChg chg="modSp mod">
+        <pc:chgData name="Pavan Kemparaju" userId="928c6752-3e35-425d-9e45-01bb5284723b" providerId="ADAL" clId="{A9C1F5EC-8C29-44E6-AD09-470BFA5CC83A}" dt="2019-11-20T04:34:03.705" v="25" actId="1076"/>
+        <pc:sldMkLst>
+          <pc:docMk/>
+          <pc:sldMk cId="3673850322" sldId="295"/>
+        </pc:sldMkLst>
+        <pc:picChg chg="mod">
+          <ac:chgData name="Pavan Kemparaju" userId="928c6752-3e35-425d-9e45-01bb5284723b" providerId="ADAL" clId="{A9C1F5EC-8C29-44E6-AD09-470BFA5CC83A}" dt="2019-11-20T04:34:03.705" v="25" actId="1076"/>
+          <ac:picMkLst>
+            <pc:docMk/>
+            <pc:sldMk cId="3673850322" sldId="295"/>
+            <ac:picMk id="6" creationId="{EF0DE1F5-D36E-4D15-BADB-09DA4C7F72DB}"/>
+          </ac:picMkLst>
+        </pc:picChg>
+      </pc:sldChg>
+      <pc:sldChg chg="modSp mod">
+        <pc:chgData name="Pavan Kemparaju" userId="928c6752-3e35-425d-9e45-01bb5284723b" providerId="ADAL" clId="{A9C1F5EC-8C29-44E6-AD09-470BFA5CC83A}" dt="2019-11-20T04:34:17.631" v="27" actId="1076"/>
+        <pc:sldMkLst>
+          <pc:docMk/>
+          <pc:sldMk cId="2989521834" sldId="296"/>
+        </pc:sldMkLst>
+        <pc:picChg chg="mod">
+          <ac:chgData name="Pavan Kemparaju" userId="928c6752-3e35-425d-9e45-01bb5284723b" providerId="ADAL" clId="{A9C1F5EC-8C29-44E6-AD09-470BFA5CC83A}" dt="2019-11-20T04:34:17.631" v="27" actId="1076"/>
+          <ac:picMkLst>
+            <pc:docMk/>
+            <pc:sldMk cId="2989521834" sldId="296"/>
+            <ac:picMk id="8" creationId="{09CDC016-CBAB-4C6D-8322-0616A2B9D7A7}"/>
+          </ac:picMkLst>
+        </pc:picChg>
+      </pc:sldChg>
+      <pc:sldChg chg="modSp mod">
+        <pc:chgData name="Pavan Kemparaju" userId="928c6752-3e35-425d-9e45-01bb5284723b" providerId="ADAL" clId="{A9C1F5EC-8C29-44E6-AD09-470BFA5CC83A}" dt="2019-11-20T04:35:12.380" v="31" actId="14100"/>
+        <pc:sldMkLst>
+          <pc:docMk/>
+          <pc:sldMk cId="1184247847" sldId="297"/>
+        </pc:sldMkLst>
+        <pc:spChg chg="mod">
+          <ac:chgData name="Pavan Kemparaju" userId="928c6752-3e35-425d-9e45-01bb5284723b" providerId="ADAL" clId="{A9C1F5EC-8C29-44E6-AD09-470BFA5CC83A}" dt="2019-11-20T04:35:12.380" v="31" actId="14100"/>
+          <ac:spMkLst>
+            <pc:docMk/>
+            <pc:sldMk cId="1184247847" sldId="297"/>
+            <ac:spMk id="4" creationId="{F3FFA708-4917-4887-8F98-DBA2CFC16F94}"/>
+          </ac:spMkLst>
+        </pc:spChg>
+        <pc:picChg chg="mod">
+          <ac:chgData name="Pavan Kemparaju" userId="928c6752-3e35-425d-9e45-01bb5284723b" providerId="ADAL" clId="{A9C1F5EC-8C29-44E6-AD09-470BFA5CC83A}" dt="2019-11-20T04:34:51.830" v="30" actId="1076"/>
+          <ac:picMkLst>
+            <pc:docMk/>
+            <pc:sldMk cId="1184247847" sldId="297"/>
+            <ac:picMk id="5" creationId="{86CA222D-3B89-4038-9847-73B7F8970F76}"/>
+          </ac:picMkLst>
+        </pc:picChg>
+      </pc:sldChg>
+      <pc:sldChg chg="modSp mod">
+        <pc:chgData name="Pavan Kemparaju" userId="928c6752-3e35-425d-9e45-01bb5284723b" providerId="ADAL" clId="{A9C1F5EC-8C29-44E6-AD09-470BFA5CC83A}" dt="2019-11-20T04:36:01.002" v="35" actId="1076"/>
+        <pc:sldMkLst>
+          <pc:docMk/>
+          <pc:sldMk cId="4194250099" sldId="298"/>
+        </pc:sldMkLst>
+        <pc:spChg chg="mod">
+          <ac:chgData name="Pavan Kemparaju" userId="928c6752-3e35-425d-9e45-01bb5284723b" providerId="ADAL" clId="{A9C1F5EC-8C29-44E6-AD09-470BFA5CC83A}" dt="2019-11-20T04:36:01.002" v="35" actId="1076"/>
+          <ac:spMkLst>
+            <pc:docMk/>
+            <pc:sldMk cId="4194250099" sldId="298"/>
+            <ac:spMk id="4" creationId="{39E2B657-75F4-422B-8030-B3E44FDF5D97}"/>
+          </ac:spMkLst>
+        </pc:spChg>
+        <pc:picChg chg="mod">
+          <ac:chgData name="Pavan Kemparaju" userId="928c6752-3e35-425d-9e45-01bb5284723b" providerId="ADAL" clId="{A9C1F5EC-8C29-44E6-AD09-470BFA5CC83A}" dt="2019-11-20T04:35:54.977" v="34" actId="1076"/>
+          <ac:picMkLst>
+            <pc:docMk/>
+            <pc:sldMk cId="4194250099" sldId="298"/>
+            <ac:picMk id="5" creationId="{573D7656-8A96-45A7-8D7F-AD77AD0E9035}"/>
+          </ac:picMkLst>
+        </pc:picChg>
+      </pc:sldChg>
+      <pc:sldChg chg="modSp mod">
+        <pc:chgData name="Pavan Kemparaju" userId="928c6752-3e35-425d-9e45-01bb5284723b" providerId="ADAL" clId="{A9C1F5EC-8C29-44E6-AD09-470BFA5CC83A}" dt="2019-11-20T04:36:47.645" v="42" actId="1036"/>
+        <pc:sldMkLst>
+          <pc:docMk/>
+          <pc:sldMk cId="315622787" sldId="299"/>
+        </pc:sldMkLst>
+        <pc:picChg chg="mod">
+          <ac:chgData name="Pavan Kemparaju" userId="928c6752-3e35-425d-9e45-01bb5284723b" providerId="ADAL" clId="{A9C1F5EC-8C29-44E6-AD09-470BFA5CC83A}" dt="2019-11-20T04:36:47.645" v="42" actId="1036"/>
+          <ac:picMkLst>
+            <pc:docMk/>
+            <pc:sldMk cId="315622787" sldId="299"/>
+            <ac:picMk id="5" creationId="{1A49C8DF-0DB2-4815-917F-C9BB524B9B4C}"/>
+          </ac:picMkLst>
+        </pc:picChg>
+      </pc:sldChg>
+      <pc:sldChg chg="modSp mod">
+        <pc:chgData name="Pavan Kemparaju" userId="928c6752-3e35-425d-9e45-01bb5284723b" providerId="ADAL" clId="{A9C1F5EC-8C29-44E6-AD09-470BFA5CC83A}" dt="2019-11-20T04:37:27.642" v="47" actId="1076"/>
+        <pc:sldMkLst>
+          <pc:docMk/>
+          <pc:sldMk cId="3904242751" sldId="300"/>
+        </pc:sldMkLst>
+        <pc:spChg chg="mod">
+          <ac:chgData name="Pavan Kemparaju" userId="928c6752-3e35-425d-9e45-01bb5284723b" providerId="ADAL" clId="{A9C1F5EC-8C29-44E6-AD09-470BFA5CC83A}" dt="2019-11-20T04:37:18.418" v="46" actId="20577"/>
+          <ac:spMkLst>
+            <pc:docMk/>
+            <pc:sldMk cId="3904242751" sldId="300"/>
+            <ac:spMk id="2" creationId="{CBC361F7-D288-4D39-A937-26817B22191A}"/>
+          </ac:spMkLst>
+        </pc:spChg>
+        <pc:spChg chg="mod">
+          <ac:chgData name="Pavan Kemparaju" userId="928c6752-3e35-425d-9e45-01bb5284723b" providerId="ADAL" clId="{A9C1F5EC-8C29-44E6-AD09-470BFA5CC83A}" dt="2019-11-20T04:37:27.642" v="47" actId="1076"/>
+          <ac:spMkLst>
+            <pc:docMk/>
+            <pc:sldMk cId="3904242751" sldId="300"/>
+            <ac:spMk id="4" creationId="{C7CB5B0C-B614-4B65-80A8-1EFB00B10F8A}"/>
+          </ac:spMkLst>
+        </pc:spChg>
+        <pc:picChg chg="mod">
+          <ac:chgData name="Pavan Kemparaju" userId="928c6752-3e35-425d-9e45-01bb5284723b" providerId="ADAL" clId="{A9C1F5EC-8C29-44E6-AD09-470BFA5CC83A}" dt="2019-11-20T04:37:10.473" v="45" actId="1076"/>
+          <ac:picMkLst>
+            <pc:docMk/>
+            <pc:sldMk cId="3904242751" sldId="300"/>
+            <ac:picMk id="6" creationId="{332E0D17-03E6-4CAB-9CAB-AF120743A2EE}"/>
+          </ac:picMkLst>
+        </pc:picChg>
+      </pc:sldChg>
+      <pc:sldChg chg="modSp mod">
+        <pc:chgData name="Pavan Kemparaju" userId="928c6752-3e35-425d-9e45-01bb5284723b" providerId="ADAL" clId="{A9C1F5EC-8C29-44E6-AD09-470BFA5CC83A}" dt="2019-11-20T04:39:06.838" v="58" actId="27636"/>
+        <pc:sldMkLst>
+          <pc:docMk/>
+          <pc:sldMk cId="2851160849" sldId="301"/>
+        </pc:sldMkLst>
+        <pc:spChg chg="mod">
+          <ac:chgData name="Pavan Kemparaju" userId="928c6752-3e35-425d-9e45-01bb5284723b" providerId="ADAL" clId="{A9C1F5EC-8C29-44E6-AD09-470BFA5CC83A}" dt="2019-11-20T04:39:06.838" v="58" actId="27636"/>
+          <ac:spMkLst>
+            <pc:docMk/>
+            <pc:sldMk cId="2851160849" sldId="301"/>
+            <ac:spMk id="3" creationId="{19D8C78A-FFE2-468D-A609-E34EFFE0F886}"/>
+          </ac:spMkLst>
+        </pc:spChg>
+        <pc:spChg chg="mod">
+          <ac:chgData name="Pavan Kemparaju" userId="928c6752-3e35-425d-9e45-01bb5284723b" providerId="ADAL" clId="{A9C1F5EC-8C29-44E6-AD09-470BFA5CC83A}" dt="2019-11-20T04:38:10.486" v="52" actId="1076"/>
+          <ac:spMkLst>
+            <pc:docMk/>
+            <pc:sldMk cId="2851160849" sldId="301"/>
+            <ac:spMk id="4" creationId="{EEDD9865-8CB0-455A-8577-779E9485CB7D}"/>
+          </ac:spMkLst>
+        </pc:spChg>
+        <pc:picChg chg="mod">
+          <ac:chgData name="Pavan Kemparaju" userId="928c6752-3e35-425d-9e45-01bb5284723b" providerId="ADAL" clId="{A9C1F5EC-8C29-44E6-AD09-470BFA5CC83A}" dt="2019-11-20T04:37:58.874" v="50" actId="1076"/>
+          <ac:picMkLst>
+            <pc:docMk/>
+            <pc:sldMk cId="2851160849" sldId="301"/>
+            <ac:picMk id="5" creationId="{6DD020CA-281D-40BC-8A18-7658E71B63D2}"/>
+          </ac:picMkLst>
+        </pc:picChg>
+      </pc:sldChg>
+      <pc:sldChg chg="modSp mod">
+        <pc:chgData name="Pavan Kemparaju" userId="928c6752-3e35-425d-9e45-01bb5284723b" providerId="ADAL" clId="{A9C1F5EC-8C29-44E6-AD09-470BFA5CC83A}" dt="2019-11-20T04:39:22.692" v="60" actId="14100"/>
+        <pc:sldMkLst>
+          <pc:docMk/>
+          <pc:sldMk cId="3836335050" sldId="302"/>
+        </pc:sldMkLst>
+        <pc:spChg chg="mod">
+          <ac:chgData name="Pavan Kemparaju" userId="928c6752-3e35-425d-9e45-01bb5284723b" providerId="ADAL" clId="{A9C1F5EC-8C29-44E6-AD09-470BFA5CC83A}" dt="2019-11-20T04:39:22.692" v="60" actId="14100"/>
+          <ac:spMkLst>
+            <pc:docMk/>
+            <pc:sldMk cId="3836335050" sldId="302"/>
+            <ac:spMk id="3" creationId="{985BDB55-5E0B-4D7E-A209-6EDDF927BFD8}"/>
+          </ac:spMkLst>
+        </pc:spChg>
+        <pc:spChg chg="mod">
+          <ac:chgData name="Pavan Kemparaju" userId="928c6752-3e35-425d-9e45-01bb5284723b" providerId="ADAL" clId="{A9C1F5EC-8C29-44E6-AD09-470BFA5CC83A}" dt="2019-11-20T04:38:34.974" v="56" actId="1076"/>
+          <ac:spMkLst>
+            <pc:docMk/>
+            <pc:sldMk cId="3836335050" sldId="302"/>
+            <ac:spMk id="4" creationId="{FAE49997-F969-4096-A4F2-2961FE6B3742}"/>
+          </ac:spMkLst>
+        </pc:spChg>
+        <pc:picChg chg="mod">
+          <ac:chgData name="Pavan Kemparaju" userId="928c6752-3e35-425d-9e45-01bb5284723b" providerId="ADAL" clId="{A9C1F5EC-8C29-44E6-AD09-470BFA5CC83A}" dt="2019-11-20T04:38:27.972" v="55" actId="1076"/>
+          <ac:picMkLst>
+            <pc:docMk/>
+            <pc:sldMk cId="3836335050" sldId="302"/>
+            <ac:picMk id="5" creationId="{DCB491A9-4016-4D95-8B10-1A1082230A9A}"/>
+          </ac:picMkLst>
+        </pc:picChg>
+      </pc:sldChg>
+      <pc:sldChg chg="modSp mod">
+        <pc:chgData name="Pavan Kemparaju" userId="928c6752-3e35-425d-9e45-01bb5284723b" providerId="ADAL" clId="{A9C1F5EC-8C29-44E6-AD09-470BFA5CC83A}" dt="2019-11-20T04:40:01.505" v="68" actId="14100"/>
+        <pc:sldMkLst>
+          <pc:docMk/>
+          <pc:sldMk cId="3181082061" sldId="303"/>
+        </pc:sldMkLst>
+        <pc:spChg chg="mod">
+          <ac:chgData name="Pavan Kemparaju" userId="928c6752-3e35-425d-9e45-01bb5284723b" providerId="ADAL" clId="{A9C1F5EC-8C29-44E6-AD09-470BFA5CC83A}" dt="2019-11-20T04:40:01.505" v="68" actId="14100"/>
+          <ac:spMkLst>
+            <pc:docMk/>
+            <pc:sldMk cId="3181082061" sldId="303"/>
+            <ac:spMk id="3" creationId="{AD86F911-7211-4147-B0ED-6C6ADF593D7D}"/>
+          </ac:spMkLst>
+        </pc:spChg>
+        <pc:spChg chg="mod">
+          <ac:chgData name="Pavan Kemparaju" userId="928c6752-3e35-425d-9e45-01bb5284723b" providerId="ADAL" clId="{A9C1F5EC-8C29-44E6-AD09-470BFA5CC83A}" dt="2019-11-20T04:39:57.217" v="67" actId="1076"/>
+          <ac:spMkLst>
+            <pc:docMk/>
+            <pc:sldMk cId="3181082061" sldId="303"/>
+            <ac:spMk id="4" creationId="{503F8AB9-614E-41D2-AB3B-FE2ECEF74673}"/>
+          </ac:spMkLst>
+        </pc:spChg>
+        <pc:picChg chg="mod">
+          <ac:chgData name="Pavan Kemparaju" userId="928c6752-3e35-425d-9e45-01bb5284723b" providerId="ADAL" clId="{A9C1F5EC-8C29-44E6-AD09-470BFA5CC83A}" dt="2019-11-20T04:39:39.659" v="63" actId="1076"/>
+          <ac:picMkLst>
+            <pc:docMk/>
+            <pc:sldMk cId="3181082061" sldId="303"/>
+            <ac:picMk id="5" creationId="{ECC5333F-90D2-4B86-AF9D-07BC793A7B94}"/>
+          </ac:picMkLst>
+        </pc:picChg>
+      </pc:sldChg>
+      <pc:sldChg chg="modSp mod">
+        <pc:chgData name="Pavan Kemparaju" userId="928c6752-3e35-425d-9e45-01bb5284723b" providerId="ADAL" clId="{A9C1F5EC-8C29-44E6-AD09-470BFA5CC83A}" dt="2019-11-20T04:40:25.464" v="72" actId="14100"/>
+        <pc:sldMkLst>
+          <pc:docMk/>
+          <pc:sldMk cId="2294337140" sldId="304"/>
+        </pc:sldMkLst>
+        <pc:spChg chg="mod">
+          <ac:chgData name="Pavan Kemparaju" userId="928c6752-3e35-425d-9e45-01bb5284723b" providerId="ADAL" clId="{A9C1F5EC-8C29-44E6-AD09-470BFA5CC83A}" dt="2019-11-20T04:40:25.464" v="72" actId="14100"/>
+          <ac:spMkLst>
+            <pc:docMk/>
+            <pc:sldMk cId="2294337140" sldId="304"/>
+            <ac:spMk id="3" creationId="{03450F9B-9190-4271-85F1-C86573CD4837}"/>
+          </ac:spMkLst>
+        </pc:spChg>
+        <pc:picChg chg="mod">
+          <ac:chgData name="Pavan Kemparaju" userId="928c6752-3e35-425d-9e45-01bb5284723b" providerId="ADAL" clId="{A9C1F5EC-8C29-44E6-AD09-470BFA5CC83A}" dt="2019-11-20T04:40:18.838" v="71" actId="1076"/>
+          <ac:picMkLst>
+            <pc:docMk/>
+            <pc:sldMk cId="2294337140" sldId="304"/>
+            <ac:picMk id="7" creationId="{33F9B2E7-BA0A-4D25-BD1F-63EA965A4FD6}"/>
+          </ac:picMkLst>
+        </pc:picChg>
+      </pc:sldChg>
+      <pc:sldChg chg="addSp delSp modSp mod">
+        <pc:chgData name="Pavan Kemparaju" userId="928c6752-3e35-425d-9e45-01bb5284723b" providerId="ADAL" clId="{A9C1F5EC-8C29-44E6-AD09-470BFA5CC83A}" dt="2019-11-20T04:42:05.081" v="89" actId="1076"/>
+        <pc:sldMkLst>
+          <pc:docMk/>
+          <pc:sldMk cId="2414613780" sldId="305"/>
+        </pc:sldMkLst>
+        <pc:spChg chg="del mod">
+          <ac:chgData name="Pavan Kemparaju" userId="928c6752-3e35-425d-9e45-01bb5284723b" providerId="ADAL" clId="{A9C1F5EC-8C29-44E6-AD09-470BFA5CC83A}" dt="2019-11-20T04:41:42.095" v="86" actId="478"/>
+          <ac:spMkLst>
+            <pc:docMk/>
+            <pc:sldMk cId="2414613780" sldId="305"/>
+            <ac:spMk id="2" creationId="{7A2F1D6D-8F84-49EA-B1CA-5E49F540D835}"/>
+          </ac:spMkLst>
+        </pc:spChg>
+        <pc:spChg chg="mod">
+          <ac:chgData name="Pavan Kemparaju" userId="928c6752-3e35-425d-9e45-01bb5284723b" providerId="ADAL" clId="{A9C1F5EC-8C29-44E6-AD09-470BFA5CC83A}" dt="2019-11-20T04:42:00.986" v="88" actId="14100"/>
+          <ac:spMkLst>
+            <pc:docMk/>
+            <pc:sldMk cId="2414613780" sldId="305"/>
+            <ac:spMk id="3" creationId="{F0832DD4-DBF7-4307-A385-069A605A29A3}"/>
+          </ac:spMkLst>
+        </pc:spChg>
+        <pc:spChg chg="mod">
+          <ac:chgData name="Pavan Kemparaju" userId="928c6752-3e35-425d-9e45-01bb5284723b" providerId="ADAL" clId="{A9C1F5EC-8C29-44E6-AD09-470BFA5CC83A}" dt="2019-11-20T04:42:05.081" v="89" actId="1076"/>
+          <ac:spMkLst>
+            <pc:docMk/>
+            <pc:sldMk cId="2414613780" sldId="305"/>
+            <ac:spMk id="4" creationId="{D551D86C-82B9-411C-BDFF-2B64140AB8D3}"/>
+          </ac:spMkLst>
+        </pc:spChg>
+        <pc:spChg chg="add del mod">
+          <ac:chgData name="Pavan Kemparaju" userId="928c6752-3e35-425d-9e45-01bb5284723b" providerId="ADAL" clId="{A9C1F5EC-8C29-44E6-AD09-470BFA5CC83A}" dt="2019-11-20T04:41:49.473" v="87" actId="478"/>
+          <ac:spMkLst>
+            <pc:docMk/>
+            <pc:sldMk cId="2414613780" sldId="305"/>
+            <ac:spMk id="7" creationId="{5B1CC52A-9A2F-4FF5-B50F-2BE872978455}"/>
+          </ac:spMkLst>
+        </pc:spChg>
+        <pc:picChg chg="add del mod">
+          <ac:chgData name="Pavan Kemparaju" userId="928c6752-3e35-425d-9e45-01bb5284723b" providerId="ADAL" clId="{A9C1F5EC-8C29-44E6-AD09-470BFA5CC83A}" dt="2019-11-20T04:41:34.153" v="84" actId="478"/>
+          <ac:picMkLst>
+            <pc:docMk/>
+            <pc:sldMk cId="2414613780" sldId="305"/>
+            <ac:picMk id="6" creationId="{65E0529A-2E20-42DE-8D7A-DB4681818933}"/>
+          </ac:picMkLst>
+        </pc:picChg>
+      </pc:sldChg>
+      <pc:sldChg chg="modSp mod">
+        <pc:chgData name="Pavan Kemparaju" userId="928c6752-3e35-425d-9e45-01bb5284723b" providerId="ADAL" clId="{A9C1F5EC-8C29-44E6-AD09-470BFA5CC83A}" dt="2019-11-20T04:41:06.649" v="79" actId="1035"/>
+        <pc:sldMkLst>
+          <pc:docMk/>
+          <pc:sldMk cId="4219759677" sldId="306"/>
+        </pc:sldMkLst>
+        <pc:spChg chg="mod">
+          <ac:chgData name="Pavan Kemparaju" userId="928c6752-3e35-425d-9e45-01bb5284723b" providerId="ADAL" clId="{A9C1F5EC-8C29-44E6-AD09-470BFA5CC83A}" dt="2019-11-20T04:40:45.096" v="76" actId="14100"/>
+          <ac:spMkLst>
+            <pc:docMk/>
+            <pc:sldMk cId="4219759677" sldId="306"/>
+            <ac:spMk id="3" creationId="{A4E12C51-5254-4240-AA0F-97768D6705BC}"/>
+          </ac:spMkLst>
+        </pc:spChg>
+        <pc:spChg chg="mod">
+          <ac:chgData name="Pavan Kemparaju" userId="928c6752-3e35-425d-9e45-01bb5284723b" providerId="ADAL" clId="{A9C1F5EC-8C29-44E6-AD09-470BFA5CC83A}" dt="2019-11-20T04:40:49.374" v="77" actId="1076"/>
+          <ac:spMkLst>
+            <pc:docMk/>
+            <pc:sldMk cId="4219759677" sldId="306"/>
+            <ac:spMk id="4" creationId="{FBF92DAE-343D-49CF-91ED-1724BAB71BBB}"/>
+          </ac:spMkLst>
+        </pc:spChg>
+        <pc:picChg chg="mod">
+          <ac:chgData name="Pavan Kemparaju" userId="928c6752-3e35-425d-9e45-01bb5284723b" providerId="ADAL" clId="{A9C1F5EC-8C29-44E6-AD09-470BFA5CC83A}" dt="2019-11-20T04:41:06.649" v="79" actId="1035"/>
+          <ac:picMkLst>
+            <pc:docMk/>
+            <pc:sldMk cId="4219759677" sldId="306"/>
+            <ac:picMk id="5" creationId="{45110293-CEF6-4344-840B-5A6B13D02423}"/>
+          </ac:picMkLst>
+        </pc:picChg>
+      </pc:sldChg>
+      <pc:sldChg chg="delSp modSp mod">
+        <pc:chgData name="Pavan Kemparaju" userId="928c6752-3e35-425d-9e45-01bb5284723b" providerId="ADAL" clId="{A9C1F5EC-8C29-44E6-AD09-470BFA5CC83A}" dt="2019-11-20T04:42:27.831" v="94" actId="14100"/>
+        <pc:sldMkLst>
+          <pc:docMk/>
+          <pc:sldMk cId="1084999003" sldId="307"/>
+        </pc:sldMkLst>
+        <pc:spChg chg="del">
+          <ac:chgData name="Pavan Kemparaju" userId="928c6752-3e35-425d-9e45-01bb5284723b" providerId="ADAL" clId="{A9C1F5EC-8C29-44E6-AD09-470BFA5CC83A}" dt="2019-11-20T04:42:10.830" v="90" actId="478"/>
+          <ac:spMkLst>
+            <pc:docMk/>
+            <pc:sldMk cId="1084999003" sldId="307"/>
+            <ac:spMk id="2" creationId="{B45BAC58-83BA-430E-88A3-753359609237}"/>
+          </ac:spMkLst>
+        </pc:spChg>
+        <pc:spChg chg="mod">
+          <ac:chgData name="Pavan Kemparaju" userId="928c6752-3e35-425d-9e45-01bb5284723b" providerId="ADAL" clId="{A9C1F5EC-8C29-44E6-AD09-470BFA5CC83A}" dt="2019-11-20T04:42:27.831" v="94" actId="14100"/>
+          <ac:spMkLst>
+            <pc:docMk/>
+            <pc:sldMk cId="1084999003" sldId="307"/>
+            <ac:spMk id="3" creationId="{876DDBFD-893D-48BC-B3CB-4E98A918CDF8}"/>
+          </ac:spMkLst>
+        </pc:spChg>
+        <pc:picChg chg="mod">
+          <ac:chgData name="Pavan Kemparaju" userId="928c6752-3e35-425d-9e45-01bb5284723b" providerId="ADAL" clId="{A9C1F5EC-8C29-44E6-AD09-470BFA5CC83A}" dt="2019-11-20T04:42:22.377" v="93" actId="1076"/>
+          <ac:picMkLst>
+            <pc:docMk/>
+            <pc:sldMk cId="1084999003" sldId="307"/>
+            <ac:picMk id="5" creationId="{E4BC0C77-0C94-47D8-8905-9D265E2ADF04}"/>
+          </ac:picMkLst>
+        </pc:picChg>
+      </pc:sldChg>
+      <pc:sldChg chg="delSp modSp mod">
+        <pc:chgData name="Pavan Kemparaju" userId="928c6752-3e35-425d-9e45-01bb5284723b" providerId="ADAL" clId="{A9C1F5EC-8C29-44E6-AD09-470BFA5CC83A}" dt="2019-11-20T04:43:13.443" v="102" actId="14100"/>
+        <pc:sldMkLst>
+          <pc:docMk/>
+          <pc:sldMk cId="696791471" sldId="308"/>
+        </pc:sldMkLst>
+        <pc:spChg chg="del">
+          <ac:chgData name="Pavan Kemparaju" userId="928c6752-3e35-425d-9e45-01bb5284723b" providerId="ADAL" clId="{A9C1F5EC-8C29-44E6-AD09-470BFA5CC83A}" dt="2019-11-20T04:42:34.846" v="95" actId="478"/>
+          <ac:spMkLst>
+            <pc:docMk/>
+            <pc:sldMk cId="696791471" sldId="308"/>
+            <ac:spMk id="2" creationId="{188B238E-BAF0-411F-950F-B3A33C548C67}"/>
+          </ac:spMkLst>
+        </pc:spChg>
+        <pc:spChg chg="mod">
+          <ac:chgData name="Pavan Kemparaju" userId="928c6752-3e35-425d-9e45-01bb5284723b" providerId="ADAL" clId="{A9C1F5EC-8C29-44E6-AD09-470BFA5CC83A}" dt="2019-11-20T04:43:13.443" v="102" actId="14100"/>
+          <ac:spMkLst>
+            <pc:docMk/>
+            <pc:sldMk cId="696791471" sldId="308"/>
+            <ac:spMk id="3" creationId="{3CEB48B7-603C-48EE-9128-5728CF85F9CD}"/>
+          </ac:spMkLst>
+        </pc:spChg>
+        <pc:spChg chg="mod">
+          <ac:chgData name="Pavan Kemparaju" userId="928c6752-3e35-425d-9e45-01bb5284723b" providerId="ADAL" clId="{A9C1F5EC-8C29-44E6-AD09-470BFA5CC83A}" dt="2019-11-20T04:42:51.370" v="99" actId="1076"/>
+          <ac:spMkLst>
+            <pc:docMk/>
+            <pc:sldMk cId="696791471" sldId="308"/>
+            <ac:spMk id="4" creationId="{E6C17A1B-09F1-4D7F-9F67-EFD8F68E5AD2}"/>
+          </ac:spMkLst>
+        </pc:spChg>
+        <pc:picChg chg="mod">
+          <ac:chgData name="Pavan Kemparaju" userId="928c6752-3e35-425d-9e45-01bb5284723b" providerId="ADAL" clId="{A9C1F5EC-8C29-44E6-AD09-470BFA5CC83A}" dt="2019-11-20T04:42:45.142" v="98" actId="1076"/>
+          <ac:picMkLst>
+            <pc:docMk/>
+            <pc:sldMk cId="696791471" sldId="308"/>
+            <ac:picMk id="5" creationId="{31820DFC-5BA0-4AF8-BFEC-F692411053CD}"/>
+          </ac:picMkLst>
+        </pc:picChg>
+      </pc:sldChg>
+      <pc:sldChg chg="delSp modSp mod">
+        <pc:chgData name="Pavan Kemparaju" userId="928c6752-3e35-425d-9e45-01bb5284723b" providerId="ADAL" clId="{A9C1F5EC-8C29-44E6-AD09-470BFA5CC83A}" dt="2019-11-20T04:43:26.593" v="104" actId="1076"/>
+        <pc:sldMkLst>
+          <pc:docMk/>
+          <pc:sldMk cId="679144905" sldId="310"/>
+        </pc:sldMkLst>
+        <pc:spChg chg="del">
+          <ac:chgData name="Pavan Kemparaju" userId="928c6752-3e35-425d-9e45-01bb5284723b" providerId="ADAL" clId="{A9C1F5EC-8C29-44E6-AD09-470BFA5CC83A}" dt="2019-11-20T04:43:18.981" v="103" actId="478"/>
+          <ac:spMkLst>
+            <pc:docMk/>
+            <pc:sldMk cId="679144905" sldId="310"/>
+            <ac:spMk id="2" creationId="{C695E185-8920-4386-896E-DE7934C7FEB9}"/>
+          </ac:spMkLst>
+        </pc:spChg>
+        <pc:spChg chg="mod">
+          <ac:chgData name="Pavan Kemparaju" userId="928c6752-3e35-425d-9e45-01bb5284723b" providerId="ADAL" clId="{A9C1F5EC-8C29-44E6-AD09-470BFA5CC83A}" dt="2019-11-20T04:43:26.593" v="104" actId="1076"/>
+          <ac:spMkLst>
+            <pc:docMk/>
+            <pc:sldMk cId="679144905" sldId="310"/>
+            <ac:spMk id="4" creationId="{5A0C8CEF-10DF-43FF-A6CD-E34ACBF0E3FC}"/>
+          </ac:spMkLst>
+        </pc:spChg>
+      </pc:sldChg>
+    </pc:docChg>
+  </pc:docChgLst>
+  <pc:docChgLst>
+    <pc:chgData name="Ancy Philip" userId="c87c753f-e07c-48da-b60c-7f3ff2351500" providerId="ADAL" clId="{CA3D9638-CE97-4352-B78B-E445401923E5}"/>
+    <pc:docChg chg="undo custSel delSld modSld">
+      <pc:chgData name="Ancy Philip" userId="c87c753f-e07c-48da-b60c-7f3ff2351500" providerId="ADAL" clId="{CA3D9638-CE97-4352-B78B-E445401923E5}" dt="2019-11-18T19:32:47.013" v="170" actId="1076"/>
+      <pc:docMkLst>
+        <pc:docMk/>
+      </pc:docMkLst>
+      <pc:sldChg chg="modSp mod">
+        <pc:chgData name="Ancy Philip" userId="c87c753f-e07c-48da-b60c-7f3ff2351500" providerId="ADAL" clId="{CA3D9638-CE97-4352-B78B-E445401923E5}" dt="2019-11-18T19:01:13.022" v="66" actId="20577"/>
+        <pc:sldMkLst>
+          <pc:docMk/>
+          <pc:sldMk cId="3972239566" sldId="287"/>
+        </pc:sldMkLst>
+        <pc:spChg chg="mod">
+          <ac:chgData name="Ancy Philip" userId="c87c753f-e07c-48da-b60c-7f3ff2351500" providerId="ADAL" clId="{CA3D9638-CE97-4352-B78B-E445401923E5}" dt="2019-11-18T19:01:13.022" v="66" actId="20577"/>
+          <ac:spMkLst>
+            <pc:docMk/>
+            <pc:sldMk cId="3972239566" sldId="287"/>
+            <ac:spMk id="3" creationId="{5EDE6252-42A0-4D85-80A0-D1295F984443}"/>
+          </ac:spMkLst>
+        </pc:spChg>
+      </pc:sldChg>
+      <pc:sldChg chg="modSp mod">
+        <pc:chgData name="Ancy Philip" userId="c87c753f-e07c-48da-b60c-7f3ff2351500" providerId="ADAL" clId="{CA3D9638-CE97-4352-B78B-E445401923E5}" dt="2019-11-18T19:00:57.212" v="56" actId="20577"/>
+        <pc:sldMkLst>
+          <pc:docMk/>
+          <pc:sldMk cId="3439007207" sldId="289"/>
+        </pc:sldMkLst>
+        <pc:spChg chg="mod">
+          <ac:chgData name="Ancy Philip" userId="c87c753f-e07c-48da-b60c-7f3ff2351500" providerId="ADAL" clId="{CA3D9638-CE97-4352-B78B-E445401923E5}" dt="2019-11-18T19:00:57.212" v="56" actId="20577"/>
+          <ac:spMkLst>
+            <pc:docMk/>
+            <pc:sldMk cId="3439007207" sldId="289"/>
+            <ac:spMk id="2" creationId="{32BCF245-659F-42B8-97CD-C4F3357B6691}"/>
+          </ac:spMkLst>
+        </pc:spChg>
+      </pc:sldChg>
+      <pc:sldChg chg="modSp mod">
+        <pc:chgData name="Ancy Philip" userId="c87c753f-e07c-48da-b60c-7f3ff2351500" providerId="ADAL" clId="{CA3D9638-CE97-4352-B78B-E445401923E5}" dt="2019-11-18T19:01:39.480" v="68" actId="20577"/>
+        <pc:sldMkLst>
+          <pc:docMk/>
+          <pc:sldMk cId="3711809223" sldId="291"/>
+        </pc:sldMkLst>
+        <pc:spChg chg="mod">
+          <ac:chgData name="Ancy Philip" userId="c87c753f-e07c-48da-b60c-7f3ff2351500" providerId="ADAL" clId="{CA3D9638-CE97-4352-B78B-E445401923E5}" dt="2019-11-18T19:01:39.480" v="68" actId="20577"/>
+          <ac:spMkLst>
+            <pc:docMk/>
+            <pc:sldMk cId="3711809223" sldId="291"/>
+            <ac:spMk id="3" creationId="{05AA1C4A-0BAC-4495-8BB6-BD6C15D0FB5C}"/>
+          </ac:spMkLst>
+        </pc:spChg>
+      </pc:sldChg>
+      <pc:sldChg chg="modSp mod">
+        <pc:chgData name="Ancy Philip" userId="c87c753f-e07c-48da-b60c-7f3ff2351500" providerId="ADAL" clId="{CA3D9638-CE97-4352-B78B-E445401923E5}" dt="2019-11-18T19:01:53.946" v="69" actId="5793"/>
+        <pc:sldMkLst>
+          <pc:docMk/>
+          <pc:sldMk cId="2628558397" sldId="293"/>
+        </pc:sldMkLst>
+        <pc:spChg chg="mod">
+          <ac:chgData name="Ancy Philip" userId="c87c753f-e07c-48da-b60c-7f3ff2351500" providerId="ADAL" clId="{CA3D9638-CE97-4352-B78B-E445401923E5}" dt="2019-11-18T19:01:53.946" v="69" actId="5793"/>
+          <ac:spMkLst>
+            <pc:docMk/>
+            <pc:sldMk cId="2628558397" sldId="293"/>
+            <ac:spMk id="3" creationId="{F78D8CA2-16B5-4A1D-A39A-A5711E763F54}"/>
+          </ac:spMkLst>
+        </pc:spChg>
+      </pc:sldChg>
+      <pc:sldChg chg="modSp mod">
+        <pc:chgData name="Ancy Philip" userId="c87c753f-e07c-48da-b60c-7f3ff2351500" providerId="ADAL" clId="{CA3D9638-CE97-4352-B78B-E445401923E5}" dt="2019-11-18T19:02:07.740" v="71" actId="20577"/>
+        <pc:sldMkLst>
+          <pc:docMk/>
+          <pc:sldMk cId="3080104112" sldId="294"/>
+        </pc:sldMkLst>
+        <pc:spChg chg="mod">
+          <ac:chgData name="Ancy Philip" userId="c87c753f-e07c-48da-b60c-7f3ff2351500" providerId="ADAL" clId="{CA3D9638-CE97-4352-B78B-E445401923E5}" dt="2019-11-18T19:02:07.740" v="71" actId="20577"/>
+          <ac:spMkLst>
+            <pc:docMk/>
+            <pc:sldMk cId="3080104112" sldId="294"/>
+            <ac:spMk id="3" creationId="{A8ADD107-39F6-4B8B-9BDA-40E2CBA1D82B}"/>
+          </ac:spMkLst>
+        </pc:spChg>
+      </pc:sldChg>
+      <pc:sldChg chg="modSp mod">
+        <pc:chgData name="Ancy Philip" userId="c87c753f-e07c-48da-b60c-7f3ff2351500" providerId="ADAL" clId="{CA3D9638-CE97-4352-B78B-E445401923E5}" dt="2019-11-18T19:02:12.689" v="72" actId="5793"/>
+        <pc:sldMkLst>
+          <pc:docMk/>
+          <pc:sldMk cId="3673850322" sldId="295"/>
+        </pc:sldMkLst>
+        <pc:spChg chg="mod">
+          <ac:chgData name="Ancy Philip" userId="c87c753f-e07c-48da-b60c-7f3ff2351500" providerId="ADAL" clId="{CA3D9638-CE97-4352-B78B-E445401923E5}" dt="2019-11-18T19:02:12.689" v="72" actId="5793"/>
+          <ac:spMkLst>
+            <pc:docMk/>
+            <pc:sldMk cId="3673850322" sldId="295"/>
+            <ac:spMk id="3" creationId="{326E2026-FCB0-4F0D-9A0A-7FC1BE33B459}"/>
+          </ac:spMkLst>
+        </pc:spChg>
+      </pc:sldChg>
+      <pc:sldChg chg="modSp mod">
+        <pc:chgData name="Ancy Philip" userId="c87c753f-e07c-48da-b60c-7f3ff2351500" providerId="ADAL" clId="{CA3D9638-CE97-4352-B78B-E445401923E5}" dt="2019-11-18T19:08:12.765" v="141" actId="5793"/>
+        <pc:sldMkLst>
+          <pc:docMk/>
+          <pc:sldMk cId="2989521834" sldId="296"/>
+        </pc:sldMkLst>
+        <pc:spChg chg="mod">
+          <ac:chgData name="Ancy Philip" userId="c87c753f-e07c-48da-b60c-7f3ff2351500" providerId="ADAL" clId="{CA3D9638-CE97-4352-B78B-E445401923E5}" dt="2019-11-18T19:08:12.765" v="141" actId="5793"/>
+          <ac:spMkLst>
+            <pc:docMk/>
+            <pc:sldMk cId="2989521834" sldId="296"/>
+            <ac:spMk id="3" creationId="{BA1D9286-9869-4FE1-819E-93F66289D556}"/>
+          </ac:spMkLst>
+        </pc:spChg>
+      </pc:sldChg>
+      <pc:sldChg chg="addSp delSp modSp mod">
+        <pc:chgData name="Ancy Philip" userId="c87c753f-e07c-48da-b60c-7f3ff2351500" providerId="ADAL" clId="{CA3D9638-CE97-4352-B78B-E445401923E5}" dt="2019-11-18T19:04:48.763" v="111" actId="20577"/>
+        <pc:sldMkLst>
+          <pc:docMk/>
+          <pc:sldMk cId="1184247847" sldId="297"/>
+        </pc:sldMkLst>
+        <pc:spChg chg="mod">
+          <ac:chgData name="Ancy Philip" userId="c87c753f-e07c-48da-b60c-7f3ff2351500" providerId="ADAL" clId="{CA3D9638-CE97-4352-B78B-E445401923E5}" dt="2019-11-18T19:04:48.763" v="111" actId="20577"/>
+          <ac:spMkLst>
+            <pc:docMk/>
+            <pc:sldMk cId="1184247847" sldId="297"/>
+            <ac:spMk id="3" creationId="{BC9EA7C4-19E4-4F19-BA97-9C0EC108EFE9}"/>
+          </ac:spMkLst>
+        </pc:spChg>
+        <pc:picChg chg="add mod">
+          <ac:chgData name="Ancy Philip" userId="c87c753f-e07c-48da-b60c-7f3ff2351500" providerId="ADAL" clId="{CA3D9638-CE97-4352-B78B-E445401923E5}" dt="2019-11-18T19:02:58.133" v="84" actId="14100"/>
+          <ac:picMkLst>
+            <pc:docMk/>
+            <pc:sldMk cId="1184247847" sldId="297"/>
+            <ac:picMk id="5" creationId="{86CA222D-3B89-4038-9847-73B7F8970F76}"/>
+          </ac:picMkLst>
+        </pc:picChg>
+        <pc:picChg chg="del">
+          <ac:chgData name="Ancy Philip" userId="c87c753f-e07c-48da-b60c-7f3ff2351500" providerId="ADAL" clId="{CA3D9638-CE97-4352-B78B-E445401923E5}" dt="2019-11-18T18:56:57.765" v="2" actId="478"/>
+          <ac:picMkLst>
+            <pc:docMk/>
+            <pc:sldMk cId="1184247847" sldId="297"/>
+            <ac:picMk id="10" creationId="{960EDC52-F2F0-4A38-8033-4190327B295B}"/>
+          </ac:picMkLst>
+        </pc:picChg>
+      </pc:sldChg>
+      <pc:sldChg chg="addSp modSp mod">
+        <pc:chgData name="Ancy Philip" userId="c87c753f-e07c-48da-b60c-7f3ff2351500" providerId="ADAL" clId="{CA3D9638-CE97-4352-B78B-E445401923E5}" dt="2019-11-18T19:03:27.600" v="99" actId="5793"/>
+        <pc:sldMkLst>
+          <pc:docMk/>
+          <pc:sldMk cId="4194250099" sldId="298"/>
+        </pc:sldMkLst>
+        <pc:spChg chg="mod">
+          <ac:chgData name="Ancy Philip" userId="c87c753f-e07c-48da-b60c-7f3ff2351500" providerId="ADAL" clId="{CA3D9638-CE97-4352-B78B-E445401923E5}" dt="2019-11-18T19:03:27.600" v="99" actId="5793"/>
+          <ac:spMkLst>
+            <pc:docMk/>
+            <pc:sldMk cId="4194250099" sldId="298"/>
+            <ac:spMk id="3" creationId="{CAB63FB1-C7A2-406A-A754-5B5DECA79CBB}"/>
+          </ac:spMkLst>
+        </pc:spChg>
+        <pc:picChg chg="add mod">
+          <ac:chgData name="Ancy Philip" userId="c87c753f-e07c-48da-b60c-7f3ff2351500" providerId="ADAL" clId="{CA3D9638-CE97-4352-B78B-E445401923E5}" dt="2019-11-18T19:03:26.140" v="98" actId="14100"/>
+          <ac:picMkLst>
+            <pc:docMk/>
+            <pc:sldMk cId="4194250099" sldId="298"/>
+            <ac:picMk id="5" creationId="{573D7656-8A96-45A7-8D7F-AD77AD0E9035}"/>
+          </ac:picMkLst>
+        </pc:picChg>
+      </pc:sldChg>
+      <pc:sldChg chg="addSp modSp mod">
+        <pc:chgData name="Ancy Philip" userId="c87c753f-e07c-48da-b60c-7f3ff2351500" providerId="ADAL" clId="{CA3D9638-CE97-4352-B78B-E445401923E5}" dt="2019-11-18T19:03:43.493" v="101" actId="1076"/>
+        <pc:sldMkLst>
+          <pc:docMk/>
+          <pc:sldMk cId="315622787" sldId="299"/>
+        </pc:sldMkLst>
+        <pc:picChg chg="add mod">
+          <ac:chgData name="Ancy Philip" userId="c87c753f-e07c-48da-b60c-7f3ff2351500" providerId="ADAL" clId="{CA3D9638-CE97-4352-B78B-E445401923E5}" dt="2019-11-18T19:03:43.493" v="101" actId="1076"/>
+          <ac:picMkLst>
+            <pc:docMk/>
+            <pc:sldMk cId="315622787" sldId="299"/>
+            <ac:picMk id="5" creationId="{1A49C8DF-0DB2-4815-917F-C9BB524B9B4C}"/>
+          </ac:picMkLst>
+        </pc:picChg>
+      </pc:sldChg>
+      <pc:sldChg chg="addSp delSp modSp mod">
+        <pc:chgData name="Ancy Philip" userId="c87c753f-e07c-48da-b60c-7f3ff2351500" providerId="ADAL" clId="{CA3D9638-CE97-4352-B78B-E445401923E5}" dt="2019-11-18T19:05:00.461" v="112" actId="5793"/>
+        <pc:sldMkLst>
+          <pc:docMk/>
+          <pc:sldMk cId="3904242751" sldId="300"/>
+        </pc:sldMkLst>
+        <pc:spChg chg="mod">
+          <ac:chgData name="Ancy Philip" userId="c87c753f-e07c-48da-b60c-7f3ff2351500" providerId="ADAL" clId="{CA3D9638-CE97-4352-B78B-E445401923E5}" dt="2019-11-18T19:05:00.461" v="112" actId="5793"/>
+          <ac:spMkLst>
+            <pc:docMk/>
+            <pc:sldMk cId="3904242751" sldId="300"/>
+            <ac:spMk id="3" creationId="{B49058B7-AA56-4EA6-8AAB-D96A97436EFA}"/>
+          </ac:spMkLst>
+        </pc:spChg>
+        <pc:picChg chg="del">
+          <ac:chgData name="Ancy Philip" userId="c87c753f-e07c-48da-b60c-7f3ff2351500" providerId="ADAL" clId="{CA3D9638-CE97-4352-B78B-E445401923E5}" dt="2019-11-18T18:57:34.003" v="4" actId="478"/>
+          <ac:picMkLst>
+            <pc:docMk/>
+            <pc:sldMk cId="3904242751" sldId="300"/>
+            <ac:picMk id="5" creationId="{1E4A03DB-5008-4027-B3D4-683CB8AB948F}"/>
+          </ac:picMkLst>
+        </pc:picChg>
+        <pc:picChg chg="add mod">
+          <ac:chgData name="Ancy Philip" userId="c87c753f-e07c-48da-b60c-7f3ff2351500" providerId="ADAL" clId="{CA3D9638-CE97-4352-B78B-E445401923E5}" dt="2019-11-18T19:04:15.038" v="103" actId="1076"/>
+          <ac:picMkLst>
+            <pc:docMk/>
+            <pc:sldMk cId="3904242751" sldId="300"/>
+            <ac:picMk id="6" creationId="{332E0D17-03E6-4CAB-9CAB-AF120743A2EE}"/>
+          </ac:picMkLst>
+        </pc:picChg>
+      </pc:sldChg>
+      <pc:sldChg chg="addSp modSp mod">
+        <pc:chgData name="Ancy Philip" userId="c87c753f-e07c-48da-b60c-7f3ff2351500" providerId="ADAL" clId="{CA3D9638-CE97-4352-B78B-E445401923E5}" dt="2019-11-18T19:05:26.926" v="120" actId="20577"/>
+        <pc:sldMkLst>
+          <pc:docMk/>
+          <pc:sldMk cId="2851160849" sldId="301"/>
+        </pc:sldMkLst>
+        <pc:spChg chg="mod">
+          <ac:chgData name="Ancy Philip" userId="c87c753f-e07c-48da-b60c-7f3ff2351500" providerId="ADAL" clId="{CA3D9638-CE97-4352-B78B-E445401923E5}" dt="2019-11-18T19:05:26.926" v="120" actId="20577"/>
+          <ac:spMkLst>
+            <pc:docMk/>
+            <pc:sldMk cId="2851160849" sldId="301"/>
+            <ac:spMk id="3" creationId="{19D8C78A-FFE2-468D-A609-E34EFFE0F886}"/>
+          </ac:spMkLst>
+        </pc:spChg>
+        <pc:picChg chg="add mod">
+          <ac:chgData name="Ancy Philip" userId="c87c753f-e07c-48da-b60c-7f3ff2351500" providerId="ADAL" clId="{CA3D9638-CE97-4352-B78B-E445401923E5}" dt="2019-11-18T19:05:12.198" v="115" actId="1076"/>
+          <ac:picMkLst>
+            <pc:docMk/>
+            <pc:sldMk cId="2851160849" sldId="301"/>
+            <ac:picMk id="5" creationId="{6DD020CA-281D-40BC-8A18-7658E71B63D2}"/>
+          </ac:picMkLst>
+        </pc:picChg>
+      </pc:sldChg>
+      <pc:sldChg chg="addSp modSp mod">
+        <pc:chgData name="Ancy Philip" userId="c87c753f-e07c-48da-b60c-7f3ff2351500" providerId="ADAL" clId="{CA3D9638-CE97-4352-B78B-E445401923E5}" dt="2019-11-18T19:05:47.011" v="124" actId="5793"/>
+        <pc:sldMkLst>
+          <pc:docMk/>
+          <pc:sldMk cId="3836335050" sldId="302"/>
+        </pc:sldMkLst>
+        <pc:spChg chg="mod">
+          <ac:chgData name="Ancy Philip" userId="c87c753f-e07c-48da-b60c-7f3ff2351500" providerId="ADAL" clId="{CA3D9638-CE97-4352-B78B-E445401923E5}" dt="2019-11-18T19:05:47.011" v="124" actId="5793"/>
+          <ac:spMkLst>
+            <pc:docMk/>
+            <pc:sldMk cId="3836335050" sldId="302"/>
+            <ac:spMk id="3" creationId="{985BDB55-5E0B-4D7E-A209-6EDDF927BFD8}"/>
+          </ac:spMkLst>
+        </pc:spChg>
+        <pc:picChg chg="add mod">
+          <ac:chgData name="Ancy Philip" userId="c87c753f-e07c-48da-b60c-7f3ff2351500" providerId="ADAL" clId="{CA3D9638-CE97-4352-B78B-E445401923E5}" dt="2019-11-18T19:05:45.173" v="123" actId="14100"/>
+          <ac:picMkLst>
+            <pc:docMk/>
+            <pc:sldMk cId="3836335050" sldId="302"/>
+            <ac:picMk id="5" creationId="{DCB491A9-4016-4D95-8B10-1A1082230A9A}"/>
+          </ac:picMkLst>
+        </pc:picChg>
+      </pc:sldChg>
+      <pc:sldChg chg="addSp modSp mod">
+        <pc:chgData name="Ancy Philip" userId="c87c753f-e07c-48da-b60c-7f3ff2351500" providerId="ADAL" clId="{CA3D9638-CE97-4352-B78B-E445401923E5}" dt="2019-11-18T19:06:00.867" v="126" actId="5793"/>
+        <pc:sldMkLst>
+          <pc:docMk/>
+          <pc:sldMk cId="3181082061" sldId="303"/>
+        </pc:sldMkLst>
+        <pc:spChg chg="mod">
+          <ac:chgData name="Ancy Philip" userId="c87c753f-e07c-48da-b60c-7f3ff2351500" providerId="ADAL" clId="{CA3D9638-CE97-4352-B78B-E445401923E5}" dt="2019-11-18T19:06:00.867" v="126" actId="5793"/>
+          <ac:spMkLst>
+            <pc:docMk/>
+            <pc:sldMk cId="3181082061" sldId="303"/>
+            <ac:spMk id="3" creationId="{AD86F911-7211-4147-B0ED-6C6ADF593D7D}"/>
+          </ac:spMkLst>
+        </pc:spChg>
+        <pc:picChg chg="add mod">
+          <ac:chgData name="Ancy Philip" userId="c87c753f-e07c-48da-b60c-7f3ff2351500" providerId="ADAL" clId="{CA3D9638-CE97-4352-B78B-E445401923E5}" dt="2019-11-18T19:05:58.560" v="125" actId="1076"/>
+          <ac:picMkLst>
+            <pc:docMk/>
+            <pc:sldMk cId="3181082061" sldId="303"/>
+            <ac:picMk id="5" creationId="{ECC5333F-90D2-4B86-AF9D-07BC793A7B94}"/>
+          </ac:picMkLst>
+        </pc:picChg>
+      </pc:sldChg>
+      <pc:sldChg chg="addSp delSp modSp mod">
+        <pc:chgData name="Ancy Philip" userId="c87c753f-e07c-48da-b60c-7f3ff2351500" providerId="ADAL" clId="{CA3D9638-CE97-4352-B78B-E445401923E5}" dt="2019-11-18T19:29:22.693" v="152" actId="1076"/>
+        <pc:sldMkLst>
+          <pc:docMk/>
+          <pc:sldMk cId="2294337140" sldId="304"/>
+        </pc:sldMkLst>
+        <pc:spChg chg="mod">
+          <ac:chgData name="Ancy Philip" userId="c87c753f-e07c-48da-b60c-7f3ff2351500" providerId="ADAL" clId="{CA3D9638-CE97-4352-B78B-E445401923E5}" dt="2019-11-18T19:06:17.595" v="127" actId="5793"/>
+          <ac:spMkLst>
+            <pc:docMk/>
+            <pc:sldMk cId="2294337140" sldId="304"/>
+            <ac:spMk id="3" creationId="{03450F9B-9190-4271-85F1-C86573CD4837}"/>
+          </ac:spMkLst>
+        </pc:spChg>
+        <pc:picChg chg="add del">
+          <ac:chgData name="Ancy Philip" userId="c87c753f-e07c-48da-b60c-7f3ff2351500" providerId="ADAL" clId="{CA3D9638-CE97-4352-B78B-E445401923E5}" dt="2019-11-18T19:28:14.897" v="144" actId="478"/>
+          <ac:picMkLst>
+            <pc:docMk/>
+            <pc:sldMk cId="2294337140" sldId="304"/>
+            <ac:picMk id="5" creationId="{2073CB48-A117-4C3B-B2FD-5DA4CD390948}"/>
+          </ac:picMkLst>
+        </pc:picChg>
+        <pc:picChg chg="add del">
+          <ac:chgData name="Ancy Philip" userId="c87c753f-e07c-48da-b60c-7f3ff2351500" providerId="ADAL" clId="{CA3D9638-CE97-4352-B78B-E445401923E5}" dt="2019-11-18T19:29:10.880" v="146" actId="478"/>
+          <ac:picMkLst>
+            <pc:docMk/>
+            <pc:sldMk cId="2294337140" sldId="304"/>
+            <ac:picMk id="6" creationId="{3355BEAE-3C69-4104-956D-E069948824FA}"/>
+          </ac:picMkLst>
+        </pc:picChg>
+        <pc:picChg chg="add mod">
+          <ac:chgData name="Ancy Philip" userId="c87c753f-e07c-48da-b60c-7f3ff2351500" providerId="ADAL" clId="{CA3D9638-CE97-4352-B78B-E445401923E5}" dt="2019-11-18T19:29:22.693" v="152" actId="1076"/>
+          <ac:picMkLst>
+            <pc:docMk/>
+            <pc:sldMk cId="2294337140" sldId="304"/>
+            <ac:picMk id="7" creationId="{33F9B2E7-BA0A-4D25-BD1F-63EA965A4FD6}"/>
+          </ac:picMkLst>
+        </pc:picChg>
+      </pc:sldChg>
+      <pc:sldChg chg="addSp delSp modSp mod">
+        <pc:chgData name="Ancy Philip" userId="c87c753f-e07c-48da-b60c-7f3ff2351500" providerId="ADAL" clId="{CA3D9638-CE97-4352-B78B-E445401923E5}" dt="2019-11-18T19:31:39.337" v="162" actId="14100"/>
+        <pc:sldMkLst>
+          <pc:docMk/>
+          <pc:sldMk cId="2414613780" sldId="305"/>
+        </pc:sldMkLst>
+        <pc:spChg chg="mod">
+          <ac:chgData name="Ancy Philip" userId="c87c753f-e07c-48da-b60c-7f3ff2351500" providerId="ADAL" clId="{CA3D9638-CE97-4352-B78B-E445401923E5}" dt="2019-11-18T19:06:46.214" v="129" actId="5793"/>
+          <ac:spMkLst>
+            <pc:docMk/>
+            <pc:sldMk cId="2414613780" sldId="305"/>
+            <ac:spMk id="3" creationId="{F0832DD4-DBF7-4307-A385-069A605A29A3}"/>
+          </ac:spMkLst>
+        </pc:spChg>
+        <pc:spChg chg="mod">
+          <ac:chgData name="Ancy Philip" userId="c87c753f-e07c-48da-b60c-7f3ff2351500" providerId="ADAL" clId="{CA3D9638-CE97-4352-B78B-E445401923E5}" dt="2019-11-18T19:31:31.975" v="159" actId="1076"/>
+          <ac:spMkLst>
+            <pc:docMk/>
+            <pc:sldMk cId="2414613780" sldId="305"/>
+            <ac:spMk id="4" creationId="{D551D86C-82B9-411C-BDFF-2B64140AB8D3}"/>
+          </ac:spMkLst>
+        </pc:spChg>
+        <pc:picChg chg="add del mod">
+          <ac:chgData name="Ancy Philip" userId="c87c753f-e07c-48da-b60c-7f3ff2351500" providerId="ADAL" clId="{CA3D9638-CE97-4352-B78B-E445401923E5}" dt="2019-11-18T19:31:32.553" v="160"/>
+          <ac:picMkLst>
+            <pc:docMk/>
+            <pc:sldMk cId="2414613780" sldId="305"/>
+            <ac:picMk id="5" creationId="{B0365CAD-E90C-4A98-B11B-95EBE0F74C50}"/>
+          </ac:picMkLst>
+        </pc:picChg>
+        <pc:picChg chg="add mod">
+          <ac:chgData name="Ancy Philip" userId="c87c753f-e07c-48da-b60c-7f3ff2351500" providerId="ADAL" clId="{CA3D9638-CE97-4352-B78B-E445401923E5}" dt="2019-11-18T19:31:39.337" v="162" actId="14100"/>
+          <ac:picMkLst>
+            <pc:docMk/>
+            <pc:sldMk cId="2414613780" sldId="305"/>
+            <ac:picMk id="6" creationId="{65E0529A-2E20-42DE-8D7A-DB4681818933}"/>
+          </ac:picMkLst>
+        </pc:picChg>
+      </pc:sldChg>
+      <pc:sldChg chg="addSp modSp mod">
+        <pc:chgData name="Ancy Philip" userId="c87c753f-e07c-48da-b60c-7f3ff2351500" providerId="ADAL" clId="{CA3D9638-CE97-4352-B78B-E445401923E5}" dt="2019-11-18T19:30:38.722" v="154" actId="14100"/>
+        <pc:sldMkLst>
+          <pc:docMk/>
+          <pc:sldMk cId="4219759677" sldId="306"/>
+        </pc:sldMkLst>
+        <pc:spChg chg="mod">
+          <ac:chgData name="Ancy Philip" userId="c87c753f-e07c-48da-b60c-7f3ff2351500" providerId="ADAL" clId="{CA3D9638-CE97-4352-B78B-E445401923E5}" dt="2019-11-18T19:06:42.970" v="128" actId="5793"/>
+          <ac:spMkLst>
+            <pc:docMk/>
+            <pc:sldMk cId="4219759677" sldId="306"/>
+            <ac:spMk id="3" creationId="{A4E12C51-5254-4240-AA0F-97768D6705BC}"/>
+          </ac:spMkLst>
+        </pc:spChg>
+        <pc:picChg chg="add mod">
+          <ac:chgData name="Ancy Philip" userId="c87c753f-e07c-48da-b60c-7f3ff2351500" providerId="ADAL" clId="{CA3D9638-CE97-4352-B78B-E445401923E5}" dt="2019-11-18T19:30:38.722" v="154" actId="14100"/>
+          <ac:picMkLst>
+            <pc:docMk/>
+            <pc:sldMk cId="4219759677" sldId="306"/>
+            <ac:picMk id="5" creationId="{45110293-CEF6-4344-840B-5A6B13D02423}"/>
+          </ac:picMkLst>
+        </pc:picChg>
+      </pc:sldChg>
+      <pc:sldChg chg="addSp modSp mod">
+        <pc:chgData name="Ancy Philip" userId="c87c753f-e07c-48da-b60c-7f3ff2351500" providerId="ADAL" clId="{CA3D9638-CE97-4352-B78B-E445401923E5}" dt="2019-11-18T19:32:47.013" v="170" actId="1076"/>
+        <pc:sldMkLst>
+          <pc:docMk/>
+          <pc:sldMk cId="1084999003" sldId="307"/>
+        </pc:sldMkLst>
+        <pc:spChg chg="mod">
+          <ac:chgData name="Ancy Philip" userId="c87c753f-e07c-48da-b60c-7f3ff2351500" providerId="ADAL" clId="{CA3D9638-CE97-4352-B78B-E445401923E5}" dt="2019-11-18T19:06:56.972" v="130" actId="5793"/>
+          <ac:spMkLst>
+            <pc:docMk/>
+            <pc:sldMk cId="1084999003" sldId="307"/>
+            <ac:spMk id="3" creationId="{876DDBFD-893D-48BC-B3CB-4E98A918CDF8}"/>
+          </ac:spMkLst>
+        </pc:spChg>
+        <pc:picChg chg="add mod">
+          <ac:chgData name="Ancy Philip" userId="c87c753f-e07c-48da-b60c-7f3ff2351500" providerId="ADAL" clId="{CA3D9638-CE97-4352-B78B-E445401923E5}" dt="2019-11-18T19:32:47.013" v="170" actId="1076"/>
+          <ac:picMkLst>
+            <pc:docMk/>
+            <pc:sldMk cId="1084999003" sldId="307"/>
+            <ac:picMk id="5" creationId="{E4BC0C77-0C94-47D8-8905-9D265E2ADF04}"/>
+          </ac:picMkLst>
+        </pc:picChg>
+      </pc:sldChg>
+      <pc:sldChg chg="addSp modSp mod">
+        <pc:chgData name="Ancy Philip" userId="c87c753f-e07c-48da-b60c-7f3ff2351500" providerId="ADAL" clId="{CA3D9638-CE97-4352-B78B-E445401923E5}" dt="2019-11-18T19:32:39.684" v="169" actId="14100"/>
+        <pc:sldMkLst>
+          <pc:docMk/>
+          <pc:sldMk cId="696791471" sldId="308"/>
+        </pc:sldMkLst>
+        <pc:spChg chg="mod">
+          <ac:chgData name="Ancy Philip" userId="c87c753f-e07c-48da-b60c-7f3ff2351500" providerId="ADAL" clId="{CA3D9638-CE97-4352-B78B-E445401923E5}" dt="2019-11-18T19:08:41.687" v="142" actId="20577"/>
+          <ac:spMkLst>
+            <pc:docMk/>
+            <pc:sldMk cId="696791471" sldId="308"/>
+            <ac:spMk id="3" creationId="{3CEB48B7-603C-48EE-9128-5728CF85F9CD}"/>
+          </ac:spMkLst>
+        </pc:spChg>
+        <pc:picChg chg="add mod">
+          <ac:chgData name="Ancy Philip" userId="c87c753f-e07c-48da-b60c-7f3ff2351500" providerId="ADAL" clId="{CA3D9638-CE97-4352-B78B-E445401923E5}" dt="2019-11-18T19:32:39.684" v="169" actId="14100"/>
+          <ac:picMkLst>
+            <pc:docMk/>
+            <pc:sldMk cId="696791471" sldId="308"/>
+            <ac:picMk id="5" creationId="{31820DFC-5BA0-4AF8-BFEC-F692411053CD}"/>
+          </ac:picMkLst>
+        </pc:picChg>
+      </pc:sldChg>
+      <pc:sldChg chg="modSp del mod">
+        <pc:chgData name="Ancy Philip" userId="c87c753f-e07c-48da-b60c-7f3ff2351500" providerId="ADAL" clId="{CA3D9638-CE97-4352-B78B-E445401923E5}" dt="2019-11-18T19:07:45.354" v="136" actId="47"/>
+        <pc:sldMkLst>
+          <pc:docMk/>
+          <pc:sldMk cId="1643855795" sldId="309"/>
+        </pc:sldMkLst>
+        <pc:spChg chg="mod">
+          <ac:chgData name="Ancy Philip" userId="c87c753f-e07c-48da-b60c-7f3ff2351500" providerId="ADAL" clId="{CA3D9638-CE97-4352-B78B-E445401923E5}" dt="2019-11-18T19:07:43.728" v="135" actId="21"/>
+          <ac:spMkLst>
+            <pc:docMk/>
+            <pc:sldMk cId="1643855795" sldId="309"/>
+            <ac:spMk id="3" creationId="{7BA6BC2A-3D4E-4724-9609-1E11AAA157C5}"/>
+          </ac:spMkLst>
+        </pc:spChg>
+      </pc:sldChg>
+      <pc:sldChg chg="modSp mod">
+        <pc:chgData name="Ancy Philip" userId="c87c753f-e07c-48da-b60c-7f3ff2351500" providerId="ADAL" clId="{CA3D9638-CE97-4352-B78B-E445401923E5}" dt="2019-11-18T19:07:19.490" v="133" actId="5793"/>
+        <pc:sldMkLst>
+          <pc:docMk/>
+          <pc:sldMk cId="679144905" sldId="310"/>
+        </pc:sldMkLst>
+        <pc:spChg chg="mod">
+          <ac:chgData name="Ancy Philip" userId="c87c753f-e07c-48da-b60c-7f3ff2351500" providerId="ADAL" clId="{CA3D9638-CE97-4352-B78B-E445401923E5}" dt="2019-11-18T19:07:19.490" v="133" actId="5793"/>
+          <ac:spMkLst>
+            <pc:docMk/>
+            <pc:sldMk cId="679144905" sldId="310"/>
+            <ac:spMk id="3" creationId="{F3540060-FC7C-4E70-A62C-248CC481C446}"/>
           </ac:spMkLst>
         </pc:spChg>
       </pc:sldChg>
@@ -4311,32 +4934,14 @@
             <a:pPr marL="0" indent="0">
               <a:buNone/>
             </a:pPr>
-            <a:r>
-              <a:rPr lang="en-US">
-                <a:ea typeface="+mn-lt"/>
-                <a:cs typeface="+mn-lt"/>
-              </a:rPr>
-              <a:t>Objective: Save the Dataflow</a:t>
-            </a:r>
-          </a:p>
-          <a:p>
-            <a:endParaRPr lang="en-US">
+            <a:endParaRPr lang="en-US" dirty="0">
               <a:ea typeface="+mn-lt"/>
               <a:cs typeface="+mn-lt"/>
             </a:endParaRPr>
           </a:p>
           <a:p>
             <a:r>
-              <a:rPr lang="en-US">
-                <a:ea typeface="+mn-lt"/>
-                <a:cs typeface="+mn-lt"/>
-              </a:rPr>
-              <a:t>Select the Save &amp; close button to close Power Query Editor</a:t>
-            </a:r>
-          </a:p>
-          <a:p>
-            <a:r>
-              <a:rPr lang="en-US">
+              <a:rPr lang="en-US" dirty="0">
                 <a:ea typeface="+mn-lt"/>
                 <a:cs typeface="+mn-lt"/>
               </a:rPr>
@@ -4345,13 +4950,13 @@
           </a:p>
           <a:p>
             <a:r>
-              <a:rPr lang="en-US">
+              <a:rPr lang="en-US" dirty="0">
                 <a:ea typeface="+mn-lt"/>
                 <a:cs typeface="+mn-lt"/>
               </a:rPr>
               <a:t>Select Save on the dialog</a:t>
             </a:r>
-            <a:endParaRPr lang="en-US">
+            <a:endParaRPr lang="en-US" dirty="0">
               <a:cs typeface="Calibri"/>
             </a:endParaRPr>
           </a:p>
@@ -4379,8 +4984,8 @@
         </p:blipFill>
         <p:spPr>
           <a:xfrm>
-            <a:off x="223630" y="236969"/>
-            <a:ext cx="5064433" cy="3486891"/>
+            <a:off x="274320" y="457200"/>
+            <a:ext cx="5120640" cy="3525590"/>
           </a:xfrm>
           <a:prstGeom prst="rect">
             <a:avLst/>
@@ -4405,7 +5010,7 @@
         </p:nvSpPr>
         <p:spPr>
           <a:xfrm>
-            <a:off x="839788" y="3723860"/>
+            <a:off x="815073" y="4065605"/>
             <a:ext cx="3932237" cy="2145128"/>
           </a:xfrm>
         </p:spPr>
@@ -4502,7 +5107,7 @@
               <a:buNone/>
             </a:pPr>
             <a:r>
-              <a:rPr lang="en-US">
+              <a:rPr lang="en-US" dirty="0">
                 <a:ea typeface="+mn-lt"/>
                 <a:cs typeface="+mn-lt"/>
               </a:rPr>
@@ -4513,20 +5118,29 @@
             <a:pPr marL="0" indent="0">
               <a:buNone/>
             </a:pPr>
-            <a:endParaRPr lang="en-US">
+            <a:endParaRPr lang="en-US" dirty="0">
               <a:ea typeface="+mn-lt"/>
               <a:cs typeface="+mn-lt"/>
             </a:endParaRPr>
           </a:p>
           <a:p>
             <a:r>
-              <a:rPr lang="en-US">
+              <a:rPr lang="en-US" dirty="0">
                 <a:ea typeface="+mn-lt"/>
                 <a:cs typeface="+mn-lt"/>
               </a:rPr>
-              <a:t>To add a machine learning model, Select the Apply ML model button in the Actions list for the base entity that contains your training data and label information, and then select Add a machine learning model.</a:t>
-            </a:r>
-            <a:endParaRPr lang="en-US">
+              <a:t>Select the brain icon in the Actions list for the base entity that contains your training data and label information, </a:t>
+            </a:r>
+          </a:p>
+          <a:p>
+            <a:r>
+              <a:rPr lang="en-US" dirty="0">
+                <a:ea typeface="+mn-lt"/>
+                <a:cs typeface="+mn-lt"/>
+              </a:rPr>
+              <a:t> Select Add a machine learning model.</a:t>
+            </a:r>
+            <a:endParaRPr lang="en-US" dirty="0">
               <a:cs typeface="Calibri"/>
             </a:endParaRPr>
           </a:p>
@@ -4554,8 +5168,8 @@
         </p:blipFill>
         <p:spPr>
           <a:xfrm>
-            <a:off x="49627" y="915446"/>
-            <a:ext cx="5133561" cy="1229500"/>
+            <a:off x="274320" y="466436"/>
+            <a:ext cx="4846320" cy="1160705"/>
           </a:xfrm>
           <a:prstGeom prst="rect">
             <a:avLst/>
@@ -4646,7 +5260,10 @@
           <a:bodyPr/>
           <a:lstStyle/>
           <a:p>
-            <a:endParaRPr lang="en-US"/>
+            <a:r>
+              <a:rPr lang="en-US"/>
+              <a:t>	</a:t>
+            </a:r>
           </a:p>
         </p:txBody>
       </p:sp>
@@ -4727,7 +5344,7 @@
         </p:nvSpPr>
         <p:spPr>
           <a:xfrm>
-            <a:off x="839788" y="3274944"/>
+            <a:off x="836612" y="3806756"/>
             <a:ext cx="3932237" cy="2594044"/>
           </a:xfrm>
         </p:spPr>
@@ -4764,8 +5381,8 @@
         </p:blipFill>
         <p:spPr>
           <a:xfrm>
-            <a:off x="463491" y="293205"/>
-            <a:ext cx="4591017" cy="2981739"/>
+            <a:off x="274320" y="457200"/>
+            <a:ext cx="5120640" cy="3325715"/>
           </a:xfrm>
           <a:prstGeom prst="rect">
             <a:avLst/>
@@ -4843,10 +5460,15 @@
             <p:ph idx="1"/>
           </p:nvPr>
         </p:nvSpPr>
-        <p:spPr/>
+        <p:spPr>
+          <a:xfrm>
+            <a:off x="5394960" y="987425"/>
+            <a:ext cx="5960428" cy="4873625"/>
+          </a:xfrm>
+        </p:spPr>
         <p:txBody>
           <a:bodyPr vert="horz" lIns="91440" tIns="45720" rIns="91440" bIns="45720" rtlCol="0" anchor="t">
-            <a:normAutofit lnSpcReduction="10000"/>
+            <a:normAutofit fontScale="92500"/>
           </a:bodyPr>
           <a:lstStyle/>
           <a:p>
@@ -4921,8 +5543,8 @@
         </p:blipFill>
         <p:spPr>
           <a:xfrm>
-            <a:off x="630880" y="387626"/>
-            <a:ext cx="4428813" cy="2867439"/>
+            <a:off x="274320" y="457200"/>
+            <a:ext cx="5120640" cy="3315363"/>
           </a:xfrm>
           <a:prstGeom prst="rect">
             <a:avLst/>
@@ -4947,7 +5569,7 @@
         </p:nvSpPr>
         <p:spPr>
           <a:xfrm>
-            <a:off x="839788" y="3324638"/>
+            <a:off x="839788" y="3856451"/>
             <a:ext cx="3932237" cy="2544349"/>
           </a:xfrm>
         </p:spPr>
@@ -5033,7 +5655,12 @@
             <p:ph idx="1"/>
           </p:nvPr>
         </p:nvSpPr>
-        <p:spPr/>
+        <p:spPr>
+          <a:xfrm>
+            <a:off x="5334316" y="987425"/>
+            <a:ext cx="6021071" cy="5238087"/>
+          </a:xfrm>
+        </p:spPr>
         <p:txBody>
           <a:bodyPr vert="horz" lIns="91440" tIns="45720" rIns="91440" bIns="45720" rtlCol="0" anchor="t">
             <a:normAutofit/>
@@ -5102,8 +5729,8 @@
         </p:blipFill>
         <p:spPr>
           <a:xfrm>
-            <a:off x="101558" y="188844"/>
-            <a:ext cx="5170189" cy="3339547"/>
+            <a:off x="274320" y="457200"/>
+            <a:ext cx="5120640" cy="3307542"/>
           </a:xfrm>
           <a:prstGeom prst="rect">
             <a:avLst/>
@@ -5128,7 +5755,7 @@
         </p:nvSpPr>
         <p:spPr>
           <a:xfrm>
-            <a:off x="839788" y="3429000"/>
+            <a:off x="836612" y="3785524"/>
             <a:ext cx="3932237" cy="2439988"/>
           </a:xfrm>
         </p:spPr>
@@ -5214,10 +5841,15 @@
             <p:ph idx="1"/>
           </p:nvPr>
         </p:nvSpPr>
-        <p:spPr/>
+        <p:spPr>
+          <a:xfrm>
+            <a:off x="5394960" y="987425"/>
+            <a:ext cx="5960427" cy="4873625"/>
+          </a:xfrm>
+        </p:spPr>
         <p:txBody>
           <a:bodyPr vert="horz" lIns="91440" tIns="45720" rIns="91440" bIns="45720" rtlCol="0" anchor="t">
-            <a:normAutofit fontScale="92500"/>
+            <a:normAutofit/>
           </a:bodyPr>
           <a:lstStyle/>
           <a:p>
@@ -5225,7 +5857,7 @@
               <a:buNone/>
             </a:pPr>
             <a:r>
-              <a:rPr lang="en-US">
+              <a:rPr lang="en-US" dirty="0">
                 <a:ea typeface="+mn-lt"/>
                 <a:cs typeface="+mn-lt"/>
               </a:rPr>
@@ -5237,7 +5869,7 @@
               <a:buNone/>
             </a:pPr>
             <a:r>
-              <a:rPr lang="en-US">
+              <a:rPr lang="en-US" dirty="0">
                 <a:ea typeface="+mn-lt"/>
                 <a:cs typeface="+mn-lt"/>
               </a:rPr>
@@ -5246,21 +5878,21 @@
           </a:p>
           <a:p>
             <a:r>
-              <a:rPr lang="en-US">
+              <a:rPr lang="en-US" dirty="0">
                 <a:ea typeface="+mn-lt"/>
                 <a:cs typeface="+mn-lt"/>
               </a:rPr>
               <a:t>Name the model </a:t>
             </a:r>
             <a:r>
-              <a:rPr lang="en-US" i="1">
+              <a:rPr lang="en-US" i="1" dirty="0">
                 <a:ea typeface="+mn-lt"/>
                 <a:cs typeface="+mn-lt"/>
               </a:rPr>
               <a:t>Customer Risk Prediction model</a:t>
             </a:r>
             <a:r>
-              <a:rPr lang="en-US">
+              <a:rPr lang="en-US" dirty="0">
                 <a:ea typeface="+mn-lt"/>
                 <a:cs typeface="+mn-lt"/>
               </a:rPr>
@@ -5269,22 +5901,22 @@
           </a:p>
           <a:p>
             <a:r>
-              <a:rPr lang="en-US">
+              <a:rPr lang="en-US" dirty="0">
                 <a:ea typeface="+mn-lt"/>
                 <a:cs typeface="+mn-lt"/>
               </a:rPr>
-              <a:t>You can choose to reduce the training time to see quick results or increase the amount of time spent in training to get the best model. </a:t>
-            </a:r>
-          </a:p>
-          <a:p>
-            <a:r>
-              <a:rPr lang="en-US">
+              <a:t>Reduce the training time to 5 mins</a:t>
+            </a:r>
+          </a:p>
+          <a:p>
+            <a:r>
+              <a:rPr lang="en-US" dirty="0">
                 <a:ea typeface="+mn-lt"/>
                 <a:cs typeface="+mn-lt"/>
               </a:rPr>
               <a:t>Then select Save and train to start training the model.</a:t>
             </a:r>
-            <a:endParaRPr lang="en-US">
+            <a:endParaRPr lang="en-US" dirty="0">
               <a:cs typeface="Calibri"/>
             </a:endParaRPr>
           </a:p>
@@ -5312,8 +5944,8 @@
         </p:blipFill>
         <p:spPr>
           <a:xfrm>
-            <a:off x="753548" y="218662"/>
-            <a:ext cx="4104715" cy="2678596"/>
+            <a:off x="274320" y="457200"/>
+            <a:ext cx="5120640" cy="3341554"/>
           </a:xfrm>
           <a:prstGeom prst="rect">
             <a:avLst/>
@@ -5338,7 +5970,7 @@
         </p:nvSpPr>
         <p:spPr>
           <a:xfrm>
-            <a:off x="839788" y="2897258"/>
+            <a:off x="839788" y="3798754"/>
             <a:ext cx="3932237" cy="2971730"/>
           </a:xfrm>
         </p:spPr>
@@ -5424,7 +6056,12 @@
             <p:ph idx="1"/>
           </p:nvPr>
         </p:nvSpPr>
-        <p:spPr/>
+        <p:spPr>
+          <a:xfrm>
+            <a:off x="5394960" y="987425"/>
+            <a:ext cx="5960428" cy="4873625"/>
+          </a:xfrm>
+        </p:spPr>
         <p:txBody>
           <a:bodyPr vert="horz" lIns="91440" tIns="45720" rIns="91440" bIns="45720" rtlCol="0" anchor="t">
             <a:normAutofit/>
@@ -5524,8 +6161,8 @@
         </p:blipFill>
         <p:spPr>
           <a:xfrm>
-            <a:off x="59635" y="649558"/>
-            <a:ext cx="5039139" cy="1570818"/>
+            <a:off x="274320" y="457200"/>
+            <a:ext cx="5120640" cy="1596224"/>
           </a:xfrm>
           <a:prstGeom prst="rect">
             <a:avLst/>
@@ -5603,7 +6240,12 @@
             <p:ph idx="1"/>
           </p:nvPr>
         </p:nvSpPr>
-        <p:spPr/>
+        <p:spPr>
+          <a:xfrm>
+            <a:off x="5394960" y="987425"/>
+            <a:ext cx="5960428" cy="4873625"/>
+          </a:xfrm>
+        </p:spPr>
         <p:txBody>
           <a:bodyPr vert="horz" lIns="91440" tIns="45720" rIns="91440" bIns="45720" rtlCol="0" anchor="t">
             <a:normAutofit/>
@@ -5681,8 +6323,8 @@
         </p:blipFill>
         <p:spPr>
           <a:xfrm>
-            <a:off x="483352" y="361928"/>
-            <a:ext cx="4421315" cy="2416060"/>
+            <a:off x="274320" y="438728"/>
+            <a:ext cx="5120640" cy="2798211"/>
           </a:xfrm>
           <a:prstGeom prst="rect">
             <a:avLst/>
@@ -5707,7 +6349,7 @@
         </p:nvSpPr>
         <p:spPr>
           <a:xfrm>
-            <a:off x="839788" y="2777988"/>
+            <a:off x="839788" y="3255101"/>
             <a:ext cx="3932237" cy="3091000"/>
           </a:xfrm>
         </p:spPr>
@@ -5774,8 +6416,8 @@
         </p:blipFill>
         <p:spPr>
           <a:xfrm>
-            <a:off x="690523" y="1359679"/>
-            <a:ext cx="4433099" cy="1697076"/>
+            <a:off x="274319" y="457200"/>
+            <a:ext cx="5120640" cy="1960280"/>
           </a:xfrm>
           <a:prstGeom prst="rect">
             <a:avLst/>
@@ -5784,31 +6426,6 @@
       </p:pic>
       <p:sp>
         <p:nvSpPr>
-          <p:cNvPr id="2" name="Title 1">
-            <a:extLst>
-              <a:ext uri="{FF2B5EF4-FFF2-40B4-BE49-F238E27FC236}">
-                <a16:creationId xmlns:a16="http://schemas.microsoft.com/office/drawing/2014/main" id="{7A2F1D6D-8F84-49EA-B1CA-5E49F540D835}"/>
-              </a:ext>
-            </a:extLst>
-          </p:cNvPr>
-          <p:cNvSpPr>
-            <a:spLocks noGrp="1"/>
-          </p:cNvSpPr>
-          <p:nvPr>
-            <p:ph type="title"/>
-          </p:nvPr>
-        </p:nvSpPr>
-        <p:spPr/>
-        <p:txBody>
-          <a:bodyPr/>
-          <a:lstStyle/>
-          <a:p>
-            <a:endParaRPr lang="en-US"/>
-          </a:p>
-        </p:txBody>
-      </p:sp>
-      <p:sp>
-        <p:nvSpPr>
           <p:cNvPr id="3" name="Content Placeholder 2">
             <a:extLst>
               <a:ext uri="{FF2B5EF4-FFF2-40B4-BE49-F238E27FC236}">
@@ -5823,7 +6440,12 @@
             <p:ph idx="1"/>
           </p:nvPr>
         </p:nvSpPr>
-        <p:spPr/>
+        <p:spPr>
+          <a:xfrm>
+            <a:off x="5394958" y="987425"/>
+            <a:ext cx="5960429" cy="4873625"/>
+          </a:xfrm>
+        </p:spPr>
         <p:txBody>
           <a:bodyPr vert="horz" lIns="91440" tIns="45720" rIns="91440" bIns="45720" rtlCol="0" anchor="t">
             <a:normAutofit/>
@@ -5880,7 +6502,7 @@
         </p:nvSpPr>
         <p:spPr>
           <a:xfrm>
-            <a:off x="839788" y="2959878"/>
+            <a:off x="836613" y="2417480"/>
             <a:ext cx="3932237" cy="2909109"/>
           </a:xfrm>
         </p:spPr>
@@ -5947,8 +6569,8 @@
         </p:blipFill>
         <p:spPr>
           <a:xfrm>
-            <a:off x="211783" y="1030444"/>
-            <a:ext cx="4729207" cy="1026956"/>
+            <a:off x="274320" y="457200"/>
+            <a:ext cx="5120640" cy="1111956"/>
           </a:xfrm>
           <a:prstGeom prst="rect">
             <a:avLst/>
@@ -5957,31 +6579,6 @@
       </p:pic>
       <p:sp>
         <p:nvSpPr>
-          <p:cNvPr id="2" name="Title 1">
-            <a:extLst>
-              <a:ext uri="{FF2B5EF4-FFF2-40B4-BE49-F238E27FC236}">
-                <a16:creationId xmlns:a16="http://schemas.microsoft.com/office/drawing/2014/main" id="{B45BAC58-83BA-430E-88A3-753359609237}"/>
-              </a:ext>
-            </a:extLst>
-          </p:cNvPr>
-          <p:cNvSpPr>
-            <a:spLocks noGrp="1"/>
-          </p:cNvSpPr>
-          <p:nvPr>
-            <p:ph type="title"/>
-          </p:nvPr>
-        </p:nvSpPr>
-        <p:spPr/>
-        <p:txBody>
-          <a:bodyPr/>
-          <a:lstStyle/>
-          <a:p>
-            <a:endParaRPr lang="en-US"/>
-          </a:p>
-        </p:txBody>
-      </p:sp>
-      <p:sp>
-        <p:nvSpPr>
           <p:cNvPr id="3" name="Content Placeholder 2">
             <a:extLst>
               <a:ext uri="{FF2B5EF4-FFF2-40B4-BE49-F238E27FC236}">
@@ -5996,7 +6593,12 @@
             <p:ph idx="1"/>
           </p:nvPr>
         </p:nvSpPr>
-        <p:spPr/>
+        <p:spPr>
+          <a:xfrm>
+            <a:off x="5394960" y="987425"/>
+            <a:ext cx="5960428" cy="4873625"/>
+          </a:xfrm>
+        </p:spPr>
         <p:txBody>
           <a:bodyPr vert="horz" lIns="91440" tIns="45720" rIns="91440" bIns="45720" rtlCol="0" anchor="t">
             <a:normAutofit/>
@@ -6007,14 +6609,14 @@
               <a:buNone/>
             </a:pPr>
             <a:r>
-              <a:rPr lang="en-US">
+              <a:rPr lang="en-US" dirty="0">
                 <a:ea typeface="+mn-lt"/>
                 <a:cs typeface="+mn-lt"/>
               </a:rPr>
               <a:t>Objective: </a:t>
             </a:r>
             <a:r>
-              <a:rPr lang="en-US"/>
+              <a:rPr lang="en-US" dirty="0"/>
               <a:t>Apply the model to a dataflow entity</a:t>
             </a:r>
           </a:p>
@@ -6022,30 +6624,30 @@
             <a:pPr marL="0" indent="0">
               <a:buNone/>
             </a:pPr>
-            <a:endParaRPr lang="en-US">
+            <a:endParaRPr lang="en-US" dirty="0">
               <a:ea typeface="+mn-lt"/>
               <a:cs typeface="+mn-lt"/>
             </a:endParaRPr>
           </a:p>
           <a:p>
             <a:r>
-              <a:rPr lang="en-US">
+              <a:rPr lang="en-US" dirty="0">
                 <a:ea typeface="+mn-lt"/>
                 <a:cs typeface="+mn-lt"/>
               </a:rPr>
-              <a:t>Select the Apply model button at the top of the report to invoke this model. </a:t>
-            </a:r>
-            <a:endParaRPr lang="en-US">
+              <a:t>Select the Apply model button at the top of the report.</a:t>
+            </a:r>
+            <a:endParaRPr lang="en-US" dirty="0">
               <a:cs typeface="Calibri" panose="020F0502020204030204"/>
             </a:endParaRPr>
           </a:p>
           <a:p>
-            <a:endParaRPr lang="en-US">
+            <a:endParaRPr lang="en-US" dirty="0">
               <a:cs typeface="Calibri" panose="020F0502020204030204"/>
             </a:endParaRPr>
           </a:p>
           <a:p>
-            <a:endParaRPr lang="en-US">
+            <a:endParaRPr lang="en-US" dirty="0">
               <a:cs typeface="Calibri" panose="020F0502020204030204"/>
             </a:endParaRPr>
           </a:p>
@@ -6273,8 +6875,8 @@
         </p:blipFill>
         <p:spPr>
           <a:xfrm>
-            <a:off x="350019" y="263387"/>
-            <a:ext cx="4579790" cy="3927336"/>
+            <a:off x="274320" y="457200"/>
+            <a:ext cx="5120640" cy="4391134"/>
           </a:xfrm>
           <a:prstGeom prst="rect">
             <a:avLst/>
@@ -6283,31 +6885,6 @@
       </p:pic>
       <p:sp>
         <p:nvSpPr>
-          <p:cNvPr id="2" name="Title 1">
-            <a:extLst>
-              <a:ext uri="{FF2B5EF4-FFF2-40B4-BE49-F238E27FC236}">
-                <a16:creationId xmlns:a16="http://schemas.microsoft.com/office/drawing/2014/main" id="{188B238E-BAF0-411F-950F-B3A33C548C67}"/>
-              </a:ext>
-            </a:extLst>
-          </p:cNvPr>
-          <p:cNvSpPr>
-            <a:spLocks noGrp="1"/>
-          </p:cNvSpPr>
-          <p:nvPr>
-            <p:ph type="title"/>
-          </p:nvPr>
-        </p:nvSpPr>
-        <p:spPr/>
-        <p:txBody>
-          <a:bodyPr/>
-          <a:lstStyle/>
-          <a:p>
-            <a:endParaRPr lang="en-US"/>
-          </a:p>
-        </p:txBody>
-      </p:sp>
-      <p:sp>
-        <p:nvSpPr>
           <p:cNvPr id="3" name="Content Placeholder 2">
             <a:extLst>
               <a:ext uri="{FF2B5EF4-FFF2-40B4-BE49-F238E27FC236}">
@@ -6322,7 +6899,12 @@
             <p:ph idx="1"/>
           </p:nvPr>
         </p:nvSpPr>
-        <p:spPr/>
+        <p:spPr>
+          <a:xfrm>
+            <a:off x="5394960" y="987425"/>
+            <a:ext cx="5960428" cy="4873625"/>
+          </a:xfrm>
+        </p:spPr>
         <p:txBody>
           <a:bodyPr vert="horz" lIns="91440" tIns="45720" rIns="91440" bIns="45720" rtlCol="0" anchor="t">
             <a:normAutofit/>
@@ -6387,7 +6969,7 @@
         </p:nvSpPr>
         <p:spPr>
           <a:xfrm>
-            <a:off x="839788" y="4190722"/>
+            <a:off x="836612" y="4848334"/>
             <a:ext cx="3932237" cy="1678265"/>
           </a:xfrm>
         </p:spPr>
@@ -6434,31 +7016,6 @@
       </p:grpSpPr>
       <p:sp>
         <p:nvSpPr>
-          <p:cNvPr id="2" name="Title 1">
-            <a:extLst>
-              <a:ext uri="{FF2B5EF4-FFF2-40B4-BE49-F238E27FC236}">
-                <a16:creationId xmlns:a16="http://schemas.microsoft.com/office/drawing/2014/main" id="{C695E185-8920-4386-896E-DE7934C7FEB9}"/>
-              </a:ext>
-            </a:extLst>
-          </p:cNvPr>
-          <p:cNvSpPr>
-            <a:spLocks noGrp="1"/>
-          </p:cNvSpPr>
-          <p:nvPr>
-            <p:ph type="title"/>
-          </p:nvPr>
-        </p:nvSpPr>
-        <p:spPr/>
-        <p:txBody>
-          <a:bodyPr/>
-          <a:lstStyle/>
-          <a:p>
-            <a:endParaRPr lang="en-US"/>
-          </a:p>
-        </p:txBody>
-      </p:sp>
-      <p:sp>
-        <p:nvSpPr>
           <p:cNvPr id="3" name="Content Placeholder 2">
             <a:extLst>
               <a:ext uri="{FF2B5EF4-FFF2-40B4-BE49-F238E27FC236}">
@@ -6528,7 +7085,12 @@
             <p:ph type="body" sz="half" idx="2"/>
           </p:nvPr>
         </p:nvSpPr>
-        <p:spPr/>
+        <p:spPr>
+          <a:xfrm>
+            <a:off x="836612" y="987425"/>
+            <a:ext cx="3932237" cy="3811588"/>
+          </a:xfrm>
+        </p:spPr>
         <p:txBody>
           <a:bodyPr/>
           <a:lstStyle/>
@@ -6619,7 +7181,7 @@
         </p:spPr>
         <p:txBody>
           <a:bodyPr vert="horz" lIns="91440" tIns="45720" rIns="91440" bIns="45720" rtlCol="0" anchor="t">
-            <a:normAutofit fontScale="77500" lnSpcReduction="20000"/>
+            <a:normAutofit fontScale="92500" lnSpcReduction="10000"/>
           </a:bodyPr>
           <a:lstStyle/>
           <a:p>
@@ -6627,87 +7189,81 @@
               <a:buNone/>
             </a:pPr>
             <a:r>
-              <a:rPr lang="en-US"/>
-              <a:t>Objective: create dataflow with input data</a:t>
-            </a:r>
-            <a:endParaRPr lang="en-US">
+              <a:rPr lang="en-US" dirty="0"/>
+              <a:t>Objective: Create a workspace</a:t>
+            </a:r>
+          </a:p>
+          <a:p>
+            <a:r>
+              <a:rPr lang="en-US" dirty="0"/>
+              <a:t>Select </a:t>
+            </a:r>
+            <a:r>
+              <a:rPr lang="en-US" b="1" dirty="0"/>
+              <a:t>Workspaces</a:t>
+            </a:r>
+            <a:r>
+              <a:rPr lang="en-US" dirty="0"/>
+              <a:t> in the nav pane menu in the Power BI service</a:t>
+            </a:r>
+          </a:p>
+          <a:p>
+            <a:r>
+              <a:rPr lang="en-US" dirty="0"/>
+              <a:t>Select </a:t>
+            </a:r>
+            <a:r>
+              <a:rPr lang="en-US" b="1" dirty="0"/>
+              <a:t>Create workspace</a:t>
+            </a:r>
+            <a:r>
+              <a:rPr lang="en-US" dirty="0"/>
+              <a:t> at the bottom of the panel that appears.</a:t>
+            </a:r>
+            <a:endParaRPr lang="en-US" dirty="0">
               <a:cs typeface="Calibri"/>
             </a:endParaRPr>
           </a:p>
           <a:p>
-            <a:endParaRPr lang="en-US"/>
-          </a:p>
-          <a:p>
-            <a:r>
-              <a:rPr lang="en-US"/>
-              <a:t>Select </a:t>
-            </a:r>
-            <a:r>
-              <a:rPr lang="en-US" b="1"/>
-              <a:t>Workspaces</a:t>
-            </a:r>
-            <a:r>
-              <a:rPr lang="en-US"/>
-              <a:t> in the nav pane menu in the Power BI service,</a:t>
-            </a:r>
-          </a:p>
-          <a:p>
-            <a:r>
-              <a:rPr lang="en-US"/>
-              <a:t>Select </a:t>
-            </a:r>
-            <a:r>
-              <a:rPr lang="en-US" b="1"/>
-              <a:t>Create workspace</a:t>
-            </a:r>
-            <a:r>
-              <a:rPr lang="en-US"/>
-              <a:t> at the bottom of the panel that appears.</a:t>
-            </a:r>
-            <a:endParaRPr lang="en-US">
-              <a:cs typeface="Calibri"/>
-            </a:endParaRPr>
-          </a:p>
-          <a:p>
-            <a:r>
-              <a:rPr lang="en-US">
+            <a:r>
+              <a:rPr lang="en-US" dirty="0">
                 <a:ea typeface="+mn-lt"/>
                 <a:cs typeface="+mn-lt"/>
               </a:rPr>
               <a:t>Enter a workspace name and select Advanced.</a:t>
             </a:r>
-            <a:endParaRPr lang="en-US">
+            <a:endParaRPr lang="en-US" dirty="0">
               <a:cs typeface="Calibri"/>
             </a:endParaRPr>
           </a:p>
           <a:p>
             <a:r>
-              <a:rPr lang="en-US">
+              <a:rPr lang="en-US" dirty="0">
                 <a:ea typeface="+mn-lt"/>
                 <a:cs typeface="+mn-lt"/>
               </a:rPr>
-              <a:t>Confirm that the workspace uses Dedicated Capacity using the radio button, and that it's assigned to a dedicated capacity instance that has the AI preview turned on.</a:t>
-            </a:r>
-          </a:p>
-          <a:p>
-            <a:r>
-              <a:rPr lang="en-US">
+              <a:t>Confirm that the workspace uses Dedicated Capacity using the radio button</a:t>
+            </a:r>
+          </a:p>
+          <a:p>
+            <a:r>
+              <a:rPr lang="en-US" dirty="0">
                 <a:ea typeface="+mn-lt"/>
                 <a:cs typeface="+mn-lt"/>
               </a:rPr>
               <a:t>Then select Save.</a:t>
             </a:r>
-            <a:endParaRPr lang="en-US">
+            <a:endParaRPr lang="en-US" dirty="0">
               <a:cs typeface="Calibri"/>
             </a:endParaRPr>
           </a:p>
           <a:p>
-            <a:endParaRPr lang="en-US">
+            <a:endParaRPr lang="en-US" dirty="0">
               <a:cs typeface="Calibri"/>
             </a:endParaRPr>
           </a:p>
           <a:p>
-            <a:endParaRPr lang="en-US">
+            <a:endParaRPr lang="en-US" dirty="0">
               <a:cs typeface="Calibri"/>
             </a:endParaRPr>
           </a:p>
@@ -6774,8 +7330,8 @@
         </p:blipFill>
         <p:spPr>
           <a:xfrm>
-            <a:off x="110299" y="457200"/>
-            <a:ext cx="5391213" cy="3038475"/>
+            <a:off x="274320" y="457201"/>
+            <a:ext cx="5120640" cy="2885981"/>
           </a:xfrm>
           <a:prstGeom prst="rect">
             <a:avLst/>
@@ -6953,8 +7509,8 @@
         </p:blipFill>
         <p:spPr>
           <a:xfrm>
-            <a:off x="108426" y="457200"/>
-            <a:ext cx="5394960" cy="2972502"/>
+            <a:off x="274320" y="457200"/>
+            <a:ext cx="5120640" cy="2821358"/>
           </a:xfrm>
           <a:prstGeom prst="rect">
             <a:avLst/>
@@ -7164,8 +7720,8 @@
         </p:blipFill>
         <p:spPr>
           <a:xfrm>
-            <a:off x="108426" y="456303"/>
-            <a:ext cx="5394960" cy="3202194"/>
+            <a:off x="274320" y="456304"/>
+            <a:ext cx="5120640" cy="3039371"/>
           </a:xfrm>
           <a:prstGeom prst="rect">
             <a:avLst/>
@@ -7258,29 +7814,20 @@
             <a:pPr marL="0" indent="0">
               <a:buNone/>
             </a:pPr>
-            <a:r>
-              <a:rPr lang="en-US">
-                <a:ea typeface="+mn-lt"/>
-                <a:cs typeface="+mn-lt"/>
-              </a:rPr>
-              <a:t>Objective: Add entities to the Dataflow</a:t>
-            </a:r>
-          </a:p>
-          <a:p>
-            <a:endParaRPr lang="en-US">
+            <a:endParaRPr lang="en-US" dirty="0">
               <a:ea typeface="+mn-lt"/>
               <a:cs typeface="+mn-lt"/>
             </a:endParaRPr>
           </a:p>
           <a:p>
             <a:r>
-              <a:rPr lang="en-US">
+              <a:rPr lang="en-US" dirty="0">
                 <a:ea typeface="+mn-lt"/>
                 <a:cs typeface="+mn-lt"/>
               </a:rPr>
               <a:t>Select Add new entities. </a:t>
             </a:r>
-            <a:endParaRPr lang="en-US">
+            <a:endParaRPr lang="en-US" dirty="0">
               <a:cs typeface="Calibri"/>
             </a:endParaRPr>
           </a:p>
@@ -7347,8 +7894,8 @@
         </p:blipFill>
         <p:spPr>
           <a:xfrm>
-            <a:off x="108426" y="457200"/>
-            <a:ext cx="5394960" cy="2742880"/>
+            <a:off x="274320" y="457200"/>
+            <a:ext cx="5120640" cy="2603412"/>
           </a:xfrm>
           <a:prstGeom prst="rect">
             <a:avLst/>
@@ -7441,29 +7988,20 @@
             <a:pPr marL="0" indent="0">
               <a:buNone/>
             </a:pPr>
-            <a:r>
-              <a:rPr lang="en-US">
-                <a:ea typeface="+mn-lt"/>
-                <a:cs typeface="+mn-lt"/>
-              </a:rPr>
-              <a:t>Objective: Import data</a:t>
-            </a:r>
-          </a:p>
-          <a:p>
-            <a:endParaRPr lang="en-US">
+            <a:endParaRPr lang="en-US" dirty="0">
               <a:ea typeface="+mn-lt"/>
               <a:cs typeface="+mn-lt"/>
             </a:endParaRPr>
           </a:p>
           <a:p>
             <a:r>
-              <a:rPr lang="en-US">
+              <a:rPr lang="en-US" dirty="0">
                 <a:ea typeface="+mn-lt"/>
                 <a:cs typeface="+mn-lt"/>
               </a:rPr>
               <a:t>Select Text/CSV File as a data source</a:t>
             </a:r>
-            <a:endParaRPr lang="en-US">
+            <a:endParaRPr lang="en-US" dirty="0">
               <a:cs typeface="Calibri"/>
             </a:endParaRPr>
           </a:p>
@@ -7530,8 +8068,8 @@
         </p:blipFill>
         <p:spPr>
           <a:xfrm>
-            <a:off x="156270" y="457201"/>
-            <a:ext cx="5394960" cy="2725795"/>
+            <a:off x="274320" y="457201"/>
+            <a:ext cx="5120640" cy="2587195"/>
           </a:xfrm>
           <a:prstGeom prst="rect">
             <a:avLst/>
@@ -7624,28 +8162,28 @@
             <a:pPr marL="0" indent="0">
               <a:buNone/>
             </a:pPr>
-            <a:endParaRPr lang="en-US">
+            <a:endParaRPr lang="en-US" dirty="0">
               <a:ea typeface="+mn-lt"/>
               <a:cs typeface="+mn-lt"/>
             </a:endParaRPr>
           </a:p>
           <a:p>
             <a:r>
-              <a:rPr lang="en-US">
+              <a:rPr lang="en-US" dirty="0">
                 <a:ea typeface="+mn-lt"/>
                 <a:cs typeface="+mn-lt"/>
               </a:rPr>
               <a:t>In the Connect to a data source page that appears next, paste the following link to the Customer Feedback</a:t>
             </a:r>
             <a:r>
-              <a:rPr lang="en-US" i="1">
+              <a:rPr lang="en-US" i="1" dirty="0">
                 <a:ea typeface="+mn-lt"/>
                 <a:cs typeface="+mn-lt"/>
               </a:rPr>
               <a:t>.csv</a:t>
             </a:r>
             <a:r>
-              <a:rPr lang="en-US">
+              <a:rPr lang="en-US" dirty="0">
                 <a:ea typeface="+mn-lt"/>
                 <a:cs typeface="+mn-lt"/>
               </a:rPr>
@@ -7653,19 +8191,18 @@
             </a:r>
           </a:p>
           <a:p>
-            <a:r>
-              <a:rPr lang="en-US">
-                <a:cs typeface="Calibri"/>
-                <a:hlinkClick r:id="rId2"/>
-              </a:rPr>
-              <a:t>https://pbiaiperfstorage.blob.core.windows.net/publicblob/Customers Feedback.csv</a:t>
-            </a:r>
-            <a:endParaRPr lang="en-US">
+            <a:pPr marL="0" indent="0">
+              <a:buNone/>
+            </a:pPr>
+            <a:endParaRPr lang="en-US" dirty="0">
               <a:cs typeface="Calibri"/>
             </a:endParaRPr>
           </a:p>
           <a:p>
-            <a:endParaRPr lang="en-US">
+            <a:pPr>
+              <a:buNone/>
+            </a:pPr>
+            <a:endParaRPr lang="en-US" dirty="0">
               <a:cs typeface="Calibri"/>
             </a:endParaRPr>
           </a:p>
@@ -7673,23 +8210,15 @@
             <a:pPr>
               <a:buNone/>
             </a:pPr>
-            <a:endParaRPr lang="en-US">
+            <a:endParaRPr lang="en-US" dirty="0">
               <a:cs typeface="Calibri"/>
             </a:endParaRPr>
           </a:p>
           <a:p>
-            <a:pPr>
+            <a:pPr marL="0" indent="0">
               <a:buNone/>
             </a:pPr>
-            <a:endParaRPr lang="en-US">
-              <a:cs typeface="Calibri"/>
-            </a:endParaRPr>
-          </a:p>
-          <a:p>
-            <a:pPr marL="0" indent="0">
-              <a:buNone/>
-            </a:pPr>
-            <a:endParaRPr lang="en-US">
+            <a:endParaRPr lang="en-US" dirty="0">
               <a:cs typeface="Calibri"/>
             </a:endParaRPr>
           </a:p>
@@ -7743,7 +8272,7 @@
           <p:nvPr/>
         </p:nvPicPr>
         <p:blipFill>
-          <a:blip r:embed="rId3">
+          <a:blip r:embed="rId2">
             <a:extLst>
               <a:ext uri="{28A0092B-C50C-407E-A947-70E740481C1C}">
                 <a14:useLocalDpi xmlns:a14="http://schemas.microsoft.com/office/drawing/2010/main" val="0"/>
@@ -7756,8 +8285,8 @@
         </p:blipFill>
         <p:spPr>
           <a:xfrm>
-            <a:off x="108426" y="457200"/>
-            <a:ext cx="5394960" cy="2725795"/>
+            <a:off x="274320" y="457200"/>
+            <a:ext cx="5120640" cy="2587195"/>
           </a:xfrm>
           <a:prstGeom prst="rect">
             <a:avLst/>
@@ -7847,32 +8376,34 @@
           </a:bodyPr>
           <a:lstStyle/>
           <a:p>
-            <a:pPr marL="0" indent="0">
-              <a:buNone/>
-            </a:pPr>
-            <a:r>
-              <a:rPr lang="en-US">
-                <a:ea typeface="+mn-lt"/>
-                <a:cs typeface="+mn-lt"/>
-              </a:rPr>
-              <a:t>Objective: Name the created query</a:t>
-            </a:r>
-          </a:p>
-          <a:p>
-            <a:endParaRPr lang="en-US">
+            <a:endParaRPr lang="en-US" dirty="0">
               <a:ea typeface="+mn-lt"/>
               <a:cs typeface="+mn-lt"/>
             </a:endParaRPr>
           </a:p>
           <a:p>
             <a:r>
-              <a:rPr lang="en-US">
+              <a:rPr lang="en-US" dirty="0">
                 <a:ea typeface="+mn-lt"/>
                 <a:cs typeface="+mn-lt"/>
               </a:rPr>
               <a:t>You may rename the query to a friendlier name by changing the value in the Name box found in the right pane. For example, you could change the Query name to Customer Feedback</a:t>
             </a:r>
-            <a:endParaRPr lang="en-US" i="1">
+          </a:p>
+          <a:p>
+            <a:r>
+              <a:rPr lang="en-US" dirty="0">
+                <a:ea typeface="+mn-lt"/>
+                <a:cs typeface="+mn-lt"/>
+              </a:rPr>
+              <a:t>Select the Save &amp; close button to close Power Query Editor</a:t>
+            </a:r>
+          </a:p>
+          <a:p>
+            <a:pPr marL="0" indent="0">
+              <a:buNone/>
+            </a:pPr>
+            <a:endParaRPr lang="en-US" i="1" dirty="0">
               <a:cs typeface="Calibri"/>
             </a:endParaRPr>
           </a:p>
@@ -7896,8 +8427,8 @@
         </p:nvSpPr>
         <p:spPr>
           <a:xfrm>
-            <a:off x="839788" y="2385390"/>
-            <a:ext cx="3932237" cy="3483597"/>
+            <a:off x="839788" y="2613891"/>
+            <a:ext cx="3932237" cy="3255096"/>
           </a:xfrm>
         </p:spPr>
         <p:txBody>
@@ -7933,8 +8464,8 @@
         </p:blipFill>
         <p:spPr>
           <a:xfrm>
-            <a:off x="180311" y="241734"/>
-            <a:ext cx="5402213" cy="2143657"/>
+            <a:off x="274320" y="457200"/>
+            <a:ext cx="5120640" cy="2031926"/>
           </a:xfrm>
           <a:prstGeom prst="rect">
             <a:avLst/>

--- a/AutoML Lab manual.pptx
+++ b/AutoML Lab manual.pptx
@@ -136,8 +136,7 @@
 <p1510:revInfo xmlns:a="http://schemas.openxmlformats.org/drawingml/2006/main" xmlns:r="http://schemas.openxmlformats.org/officeDocument/2006/relationships" xmlns:p1510="http://schemas.microsoft.com/office/powerpoint/2015/10/main">
   <p1510:revLst>
     <p1510:client id="{258CB2A0-CF85-49A1-8054-9F05CD6ED8F3}" v="120" dt="2019-11-20T04:41:55.069"/>
-    <p1510:client id="{A829E8C3-4F86-4B7E-A4AF-1D6F81CDCDD1}" v="161" dt="2019-11-19T07:15:43.380"/>
-    <p1510:client id="{A9C1F5EC-8C29-44E6-AD09-470BFA5CC83A}" v="105" dt="2019-11-20T04:43:26.593"/>
+    <p1510:client id="{A9C1F5EC-8C29-44E6-AD09-470BFA5CC83A}" v="109" dt="2019-11-20T15:37:21.756"/>
     <p1510:client id="{B18E6FE7-6068-9FCE-AE1F-70A16DAD9485}" v="5" dt="2019-11-20T03:39:36.640"/>
   </p1510:revLst>
 </p1510:revInfo>
@@ -634,7 +633,7 @@
   <pc:docChgLst>
     <pc:chgData name="Pavan Kemparaju" userId="928c6752-3e35-425d-9e45-01bb5284723b" providerId="ADAL" clId="{A9C1F5EC-8C29-44E6-AD09-470BFA5CC83A}"/>
     <pc:docChg chg="undo custSel modSld">
-      <pc:chgData name="Pavan Kemparaju" userId="928c6752-3e35-425d-9e45-01bb5284723b" providerId="ADAL" clId="{A9C1F5EC-8C29-44E6-AD09-470BFA5CC83A}" dt="2019-11-20T04:43:26.593" v="104" actId="1076"/>
+      <pc:chgData name="Pavan Kemparaju" userId="928c6752-3e35-425d-9e45-01bb5284723b" providerId="ADAL" clId="{A9C1F5EC-8C29-44E6-AD09-470BFA5CC83A}" dt="2019-11-20T15:38:12.565" v="135" actId="20577"/>
       <pc:docMkLst>
         <pc:docMk/>
       </pc:docMkLst>
@@ -714,11 +713,19 @@
         </pc:picChg>
       </pc:sldChg>
       <pc:sldChg chg="modSp mod">
-        <pc:chgData name="Pavan Kemparaju" userId="928c6752-3e35-425d-9e45-01bb5284723b" providerId="ADAL" clId="{A9C1F5EC-8C29-44E6-AD09-470BFA5CC83A}" dt="2019-11-20T04:34:17.631" v="27" actId="1076"/>
+        <pc:chgData name="Pavan Kemparaju" userId="928c6752-3e35-425d-9e45-01bb5284723b" providerId="ADAL" clId="{A9C1F5EC-8C29-44E6-AD09-470BFA5CC83A}" dt="2019-11-20T15:38:12.565" v="135" actId="20577"/>
         <pc:sldMkLst>
           <pc:docMk/>
           <pc:sldMk cId="2989521834" sldId="296"/>
         </pc:sldMkLst>
+        <pc:spChg chg="mod">
+          <ac:chgData name="Pavan Kemparaju" userId="928c6752-3e35-425d-9e45-01bb5284723b" providerId="ADAL" clId="{A9C1F5EC-8C29-44E6-AD09-470BFA5CC83A}" dt="2019-11-20T15:38:12.565" v="135" actId="20577"/>
+          <ac:spMkLst>
+            <pc:docMk/>
+            <pc:sldMk cId="2989521834" sldId="296"/>
+            <ac:spMk id="3" creationId="{BA1D9286-9869-4FE1-819E-93F66289D556}"/>
+          </ac:spMkLst>
+        </pc:spChg>
         <pc:picChg chg="mod">
           <ac:chgData name="Pavan Kemparaju" userId="928c6752-3e35-425d-9e45-01bb5284723b" providerId="ADAL" clId="{A9C1F5EC-8C29-44E6-AD09-470BFA5CC83A}" dt="2019-11-20T04:34:17.631" v="27" actId="1076"/>
           <ac:picMkLst>
@@ -1046,7 +1053,7 @@
         </pc:picChg>
       </pc:sldChg>
       <pc:sldChg chg="delSp modSp mod">
-        <pc:chgData name="Pavan Kemparaju" userId="928c6752-3e35-425d-9e45-01bb5284723b" providerId="ADAL" clId="{A9C1F5EC-8C29-44E6-AD09-470BFA5CC83A}" dt="2019-11-20T04:43:13.443" v="102" actId="14100"/>
+        <pc:chgData name="Pavan Kemparaju" userId="928c6752-3e35-425d-9e45-01bb5284723b" providerId="ADAL" clId="{A9C1F5EC-8C29-44E6-AD09-470BFA5CC83A}" dt="2019-11-20T15:36:53.605" v="127" actId="20577"/>
         <pc:sldMkLst>
           <pc:docMk/>
           <pc:sldMk cId="696791471" sldId="308"/>
@@ -1060,7 +1067,7 @@
           </ac:spMkLst>
         </pc:spChg>
         <pc:spChg chg="mod">
-          <ac:chgData name="Pavan Kemparaju" userId="928c6752-3e35-425d-9e45-01bb5284723b" providerId="ADAL" clId="{A9C1F5EC-8C29-44E6-AD09-470BFA5CC83A}" dt="2019-11-20T04:43:13.443" v="102" actId="14100"/>
+          <ac:chgData name="Pavan Kemparaju" userId="928c6752-3e35-425d-9e45-01bb5284723b" providerId="ADAL" clId="{A9C1F5EC-8C29-44E6-AD09-470BFA5CC83A}" dt="2019-11-20T15:36:53.605" v="127" actId="20577"/>
           <ac:spMkLst>
             <pc:docMk/>
             <pc:sldMk cId="696791471" sldId="308"/>
@@ -1719,7 +1726,7 @@
           <a:p>
             <a:fld id="{4195CE9B-1DF8-491D-8CB5-43534008D049}" type="datetimeFigureOut">
               <a:rPr lang="en-US" smtClean="0"/>
-              <a:t>11/19/2019</a:t>
+              <a:t>11/20/2019</a:t>
             </a:fld>
             <a:endParaRPr lang="en-US"/>
           </a:p>
@@ -1917,7 +1924,7 @@
           <a:p>
             <a:fld id="{4195CE9B-1DF8-491D-8CB5-43534008D049}" type="datetimeFigureOut">
               <a:rPr lang="en-US" smtClean="0"/>
-              <a:t>11/19/2019</a:t>
+              <a:t>11/20/2019</a:t>
             </a:fld>
             <a:endParaRPr lang="en-US"/>
           </a:p>
@@ -2125,7 +2132,7 @@
           <a:p>
             <a:fld id="{4195CE9B-1DF8-491D-8CB5-43534008D049}" type="datetimeFigureOut">
               <a:rPr lang="en-US" smtClean="0"/>
-              <a:t>11/19/2019</a:t>
+              <a:t>11/20/2019</a:t>
             </a:fld>
             <a:endParaRPr lang="en-US"/>
           </a:p>
@@ -2323,7 +2330,7 @@
           <a:p>
             <a:fld id="{4195CE9B-1DF8-491D-8CB5-43534008D049}" type="datetimeFigureOut">
               <a:rPr lang="en-US" smtClean="0"/>
-              <a:t>11/19/2019</a:t>
+              <a:t>11/20/2019</a:t>
             </a:fld>
             <a:endParaRPr lang="en-US"/>
           </a:p>
@@ -2598,7 +2605,7 @@
           <a:p>
             <a:fld id="{4195CE9B-1DF8-491D-8CB5-43534008D049}" type="datetimeFigureOut">
               <a:rPr lang="en-US" smtClean="0"/>
-              <a:t>11/19/2019</a:t>
+              <a:t>11/20/2019</a:t>
             </a:fld>
             <a:endParaRPr lang="en-US"/>
           </a:p>
@@ -2863,7 +2870,7 @@
           <a:p>
             <a:fld id="{4195CE9B-1DF8-491D-8CB5-43534008D049}" type="datetimeFigureOut">
               <a:rPr lang="en-US" smtClean="0"/>
-              <a:t>11/19/2019</a:t>
+              <a:t>11/20/2019</a:t>
             </a:fld>
             <a:endParaRPr lang="en-US"/>
           </a:p>
@@ -3275,7 +3282,7 @@
           <a:p>
             <a:fld id="{4195CE9B-1DF8-491D-8CB5-43534008D049}" type="datetimeFigureOut">
               <a:rPr lang="en-US" smtClean="0"/>
-              <a:t>11/19/2019</a:t>
+              <a:t>11/20/2019</a:t>
             </a:fld>
             <a:endParaRPr lang="en-US"/>
           </a:p>
@@ -3416,7 +3423,7 @@
           <a:p>
             <a:fld id="{4195CE9B-1DF8-491D-8CB5-43534008D049}" type="datetimeFigureOut">
               <a:rPr lang="en-US" smtClean="0"/>
-              <a:t>11/19/2019</a:t>
+              <a:t>11/20/2019</a:t>
             </a:fld>
             <a:endParaRPr lang="en-US"/>
           </a:p>
@@ -3529,7 +3536,7 @@
           <a:p>
             <a:fld id="{4195CE9B-1DF8-491D-8CB5-43534008D049}" type="datetimeFigureOut">
               <a:rPr lang="en-US" smtClean="0"/>
-              <a:t>11/19/2019</a:t>
+              <a:t>11/20/2019</a:t>
             </a:fld>
             <a:endParaRPr lang="en-US"/>
           </a:p>
@@ -3840,7 +3847,7 @@
           <a:p>
             <a:fld id="{4195CE9B-1DF8-491D-8CB5-43534008D049}" type="datetimeFigureOut">
               <a:rPr lang="en-US" smtClean="0"/>
-              <a:t>11/19/2019</a:t>
+              <a:t>11/20/2019</a:t>
             </a:fld>
             <a:endParaRPr lang="en-US"/>
           </a:p>
@@ -4128,7 +4135,7 @@
           <a:p>
             <a:fld id="{4195CE9B-1DF8-491D-8CB5-43534008D049}" type="datetimeFigureOut">
               <a:rPr lang="en-US" smtClean="0"/>
-              <a:t>11/19/2019</a:t>
+              <a:t>11/20/2019</a:t>
             </a:fld>
             <a:endParaRPr lang="en-US"/>
           </a:p>
@@ -4369,7 +4376,7 @@
           <a:p>
             <a:fld id="{4195CE9B-1DF8-491D-8CB5-43534008D049}" type="datetimeFigureOut">
               <a:rPr lang="en-US" smtClean="0"/>
-              <a:t>11/19/2019</a:t>
+              <a:t>11/20/2019</a:t>
             </a:fld>
             <a:endParaRPr lang="en-US"/>
           </a:p>
@@ -4934,14 +4941,14 @@
             <a:pPr marL="0" indent="0">
               <a:buNone/>
             </a:pPr>
-            <a:endParaRPr lang="en-US" dirty="0">
+            <a:endParaRPr lang="en-US">
               <a:ea typeface="+mn-lt"/>
               <a:cs typeface="+mn-lt"/>
             </a:endParaRPr>
           </a:p>
           <a:p>
             <a:r>
-              <a:rPr lang="en-US" dirty="0">
+              <a:rPr lang="en-US">
                 <a:ea typeface="+mn-lt"/>
                 <a:cs typeface="+mn-lt"/>
               </a:rPr>
@@ -4950,13 +4957,13 @@
           </a:p>
           <a:p>
             <a:r>
-              <a:rPr lang="en-US" dirty="0">
+              <a:rPr lang="en-US">
                 <a:ea typeface="+mn-lt"/>
                 <a:cs typeface="+mn-lt"/>
               </a:rPr>
               <a:t>Select Save on the dialog</a:t>
             </a:r>
-            <a:endParaRPr lang="en-US" dirty="0">
+            <a:endParaRPr lang="en-US">
               <a:cs typeface="Calibri"/>
             </a:endParaRPr>
           </a:p>
@@ -5107,7 +5114,7 @@
               <a:buNone/>
             </a:pPr>
             <a:r>
-              <a:rPr lang="en-US" dirty="0">
+              <a:rPr lang="en-US">
                 <a:ea typeface="+mn-lt"/>
                 <a:cs typeface="+mn-lt"/>
               </a:rPr>
@@ -5118,14 +5125,14 @@
             <a:pPr marL="0" indent="0">
               <a:buNone/>
             </a:pPr>
-            <a:endParaRPr lang="en-US" dirty="0">
+            <a:endParaRPr lang="en-US">
               <a:ea typeface="+mn-lt"/>
               <a:cs typeface="+mn-lt"/>
             </a:endParaRPr>
           </a:p>
           <a:p>
             <a:r>
-              <a:rPr lang="en-US" dirty="0">
+              <a:rPr lang="en-US">
                 <a:ea typeface="+mn-lt"/>
                 <a:cs typeface="+mn-lt"/>
               </a:rPr>
@@ -5134,13 +5141,13 @@
           </a:p>
           <a:p>
             <a:r>
-              <a:rPr lang="en-US" dirty="0">
+              <a:rPr lang="en-US">
                 <a:ea typeface="+mn-lt"/>
                 <a:cs typeface="+mn-lt"/>
               </a:rPr>
               <a:t> Select Add a machine learning model.</a:t>
             </a:r>
-            <a:endParaRPr lang="en-US" dirty="0">
+            <a:endParaRPr lang="en-US">
               <a:cs typeface="Calibri"/>
             </a:endParaRPr>
           </a:p>
@@ -5857,7 +5864,7 @@
               <a:buNone/>
             </a:pPr>
             <a:r>
-              <a:rPr lang="en-US" dirty="0">
+              <a:rPr lang="en-US">
                 <a:ea typeface="+mn-lt"/>
                 <a:cs typeface="+mn-lt"/>
               </a:rPr>
@@ -5869,7 +5876,7 @@
               <a:buNone/>
             </a:pPr>
             <a:r>
-              <a:rPr lang="en-US" dirty="0">
+              <a:rPr lang="en-US">
                 <a:ea typeface="+mn-lt"/>
                 <a:cs typeface="+mn-lt"/>
               </a:rPr>
@@ -5878,21 +5885,21 @@
           </a:p>
           <a:p>
             <a:r>
-              <a:rPr lang="en-US" dirty="0">
+              <a:rPr lang="en-US">
                 <a:ea typeface="+mn-lt"/>
                 <a:cs typeface="+mn-lt"/>
               </a:rPr>
               <a:t>Name the model </a:t>
             </a:r>
             <a:r>
-              <a:rPr lang="en-US" i="1" dirty="0">
+              <a:rPr lang="en-US" i="1">
                 <a:ea typeface="+mn-lt"/>
                 <a:cs typeface="+mn-lt"/>
               </a:rPr>
               <a:t>Customer Risk Prediction model</a:t>
             </a:r>
             <a:r>
-              <a:rPr lang="en-US" dirty="0">
+              <a:rPr lang="en-US">
                 <a:ea typeface="+mn-lt"/>
                 <a:cs typeface="+mn-lt"/>
               </a:rPr>
@@ -5901,7 +5908,7 @@
           </a:p>
           <a:p>
             <a:r>
-              <a:rPr lang="en-US" dirty="0">
+              <a:rPr lang="en-US">
                 <a:ea typeface="+mn-lt"/>
                 <a:cs typeface="+mn-lt"/>
               </a:rPr>
@@ -5910,13 +5917,13 @@
           </a:p>
           <a:p>
             <a:r>
-              <a:rPr lang="en-US" dirty="0">
+              <a:rPr lang="en-US">
                 <a:ea typeface="+mn-lt"/>
                 <a:cs typeface="+mn-lt"/>
               </a:rPr>
               <a:t>Then select Save and train to start training the model.</a:t>
             </a:r>
-            <a:endParaRPr lang="en-US" dirty="0">
+            <a:endParaRPr lang="en-US">
               <a:cs typeface="Calibri"/>
             </a:endParaRPr>
           </a:p>
@@ -6609,14 +6616,14 @@
               <a:buNone/>
             </a:pPr>
             <a:r>
-              <a:rPr lang="en-US" dirty="0">
+              <a:rPr lang="en-US">
                 <a:ea typeface="+mn-lt"/>
                 <a:cs typeface="+mn-lt"/>
               </a:rPr>
               <a:t>Objective: </a:t>
             </a:r>
             <a:r>
-              <a:rPr lang="en-US" dirty="0"/>
+              <a:rPr lang="en-US"/>
               <a:t>Apply the model to a dataflow entity</a:t>
             </a:r>
           </a:p>
@@ -6624,30 +6631,30 @@
             <a:pPr marL="0" indent="0">
               <a:buNone/>
             </a:pPr>
-            <a:endParaRPr lang="en-US" dirty="0">
+            <a:endParaRPr lang="en-US">
               <a:ea typeface="+mn-lt"/>
               <a:cs typeface="+mn-lt"/>
             </a:endParaRPr>
           </a:p>
           <a:p>
             <a:r>
-              <a:rPr lang="en-US" dirty="0">
+              <a:rPr lang="en-US">
                 <a:ea typeface="+mn-lt"/>
                 <a:cs typeface="+mn-lt"/>
               </a:rPr>
               <a:t>Select the Apply model button at the top of the report.</a:t>
             </a:r>
-            <a:endParaRPr lang="en-US" dirty="0">
+            <a:endParaRPr lang="en-US">
               <a:cs typeface="Calibri" panose="020F0502020204030204"/>
             </a:endParaRPr>
           </a:p>
           <a:p>
-            <a:endParaRPr lang="en-US" dirty="0">
+            <a:endParaRPr lang="en-US">
               <a:cs typeface="Calibri" panose="020F0502020204030204"/>
             </a:endParaRPr>
           </a:p>
           <a:p>
-            <a:endParaRPr lang="en-US" dirty="0">
+            <a:endParaRPr lang="en-US">
               <a:cs typeface="Calibri" panose="020F0502020204030204"/>
             </a:endParaRPr>
           </a:p>
@@ -6768,7 +6775,7 @@
               <a:buNone/>
             </a:pPr>
             <a:r>
-              <a:rPr lang="en-US" dirty="0"/>
+              <a:rPr lang="en-US"/>
               <a:t>Prerequisites</a:t>
             </a:r>
           </a:p>
@@ -6777,10 +6784,10 @@
           </a:p>
           <a:p>
             <a:r>
-              <a:rPr lang="en-US" dirty="0"/>
+              <a:rPr lang="en-US"/>
               <a:t>Sign into Power BI service using the credentials provided to you.</a:t>
             </a:r>
-            <a:endParaRPr lang="en-US" dirty="0">
+            <a:endParaRPr lang="en-US">
               <a:cs typeface="Calibri"/>
             </a:endParaRPr>
           </a:p>
@@ -6914,29 +6921,35 @@
             <a:pPr marL="0" indent="0">
               <a:buNone/>
             </a:pPr>
-            <a:endParaRPr lang="en-US">
+            <a:endParaRPr lang="en-US" dirty="0">
               <a:cs typeface="Calibri"/>
             </a:endParaRPr>
           </a:p>
           <a:p>
             <a:r>
-              <a:rPr lang="en-US">
+              <a:rPr lang="en-US" dirty="0">
                 <a:cs typeface="Calibri"/>
               </a:rPr>
-              <a:t>In the Apply dialog, you can specify the target entity that has the source data to which the model should be applied.</a:t>
-            </a:r>
-          </a:p>
-          <a:p>
-            <a:r>
-              <a:rPr lang="en-US">
+              <a:t>In the Apply dialog, you can specify the target entity that has the source data to which the model should be applied </a:t>
+            </a:r>
+            <a:r>
+              <a:rPr lang="en-US" i="1" dirty="0">
+                <a:cs typeface="Calibri"/>
+              </a:rPr>
+              <a:t>customer_feedback_test.csv</a:t>
+            </a:r>
+          </a:p>
+          <a:p>
+            <a:r>
+              <a:rPr lang="en-US" dirty="0">
                 <a:cs typeface="Calibri"/>
               </a:rPr>
               <a:t>Refresh the dataflow when prompted to preview the results of your model.</a:t>
             </a:r>
-            <a:endParaRPr lang="en-US"/>
-          </a:p>
-          <a:p>
-            <a:endParaRPr lang="en-US">
+            <a:endParaRPr lang="en-US" dirty="0"/>
+          </a:p>
+          <a:p>
+            <a:endParaRPr lang="en-US" dirty="0">
               <a:ea typeface="+mn-lt"/>
               <a:cs typeface="+mn-lt"/>
             </a:endParaRPr>
@@ -6945,7 +6958,7 @@
             <a:pPr marL="0" indent="0">
               <a:buNone/>
             </a:pPr>
-            <a:endParaRPr lang="en-US">
+            <a:endParaRPr lang="en-US" dirty="0">
               <a:cs typeface="Calibri"/>
             </a:endParaRPr>
           </a:p>
@@ -7189,56 +7202,56 @@
               <a:buNone/>
             </a:pPr>
             <a:r>
-              <a:rPr lang="en-US" dirty="0"/>
+              <a:rPr lang="en-US"/>
               <a:t>Objective: Create a workspace</a:t>
             </a:r>
           </a:p>
           <a:p>
             <a:r>
-              <a:rPr lang="en-US" dirty="0"/>
+              <a:rPr lang="en-US"/>
               <a:t>Select </a:t>
             </a:r>
             <a:r>
-              <a:rPr lang="en-US" b="1" dirty="0"/>
+              <a:rPr lang="en-US" b="1"/>
               <a:t>Workspaces</a:t>
             </a:r>
             <a:r>
-              <a:rPr lang="en-US" dirty="0"/>
+              <a:rPr lang="en-US"/>
               <a:t> in the nav pane menu in the Power BI service</a:t>
             </a:r>
           </a:p>
           <a:p>
             <a:r>
-              <a:rPr lang="en-US" dirty="0"/>
+              <a:rPr lang="en-US"/>
               <a:t>Select </a:t>
             </a:r>
             <a:r>
-              <a:rPr lang="en-US" b="1" dirty="0"/>
+              <a:rPr lang="en-US" b="1"/>
               <a:t>Create workspace</a:t>
             </a:r>
             <a:r>
-              <a:rPr lang="en-US" dirty="0"/>
+              <a:rPr lang="en-US"/>
               <a:t> at the bottom of the panel that appears.</a:t>
             </a:r>
-            <a:endParaRPr lang="en-US" dirty="0">
+            <a:endParaRPr lang="en-US">
               <a:cs typeface="Calibri"/>
             </a:endParaRPr>
           </a:p>
           <a:p>
             <a:r>
-              <a:rPr lang="en-US" dirty="0">
+              <a:rPr lang="en-US">
                 <a:ea typeface="+mn-lt"/>
                 <a:cs typeface="+mn-lt"/>
               </a:rPr>
               <a:t>Enter a workspace name and select Advanced.</a:t>
             </a:r>
-            <a:endParaRPr lang="en-US" dirty="0">
+            <a:endParaRPr lang="en-US">
               <a:cs typeface="Calibri"/>
             </a:endParaRPr>
           </a:p>
           <a:p>
             <a:r>
-              <a:rPr lang="en-US" dirty="0">
+              <a:rPr lang="en-US">
                 <a:ea typeface="+mn-lt"/>
                 <a:cs typeface="+mn-lt"/>
               </a:rPr>
@@ -7247,23 +7260,23 @@
           </a:p>
           <a:p>
             <a:r>
-              <a:rPr lang="en-US" dirty="0">
+              <a:rPr lang="en-US">
                 <a:ea typeface="+mn-lt"/>
                 <a:cs typeface="+mn-lt"/>
               </a:rPr>
               <a:t>Then select Save.</a:t>
             </a:r>
-            <a:endParaRPr lang="en-US" dirty="0">
+            <a:endParaRPr lang="en-US">
               <a:cs typeface="Calibri"/>
             </a:endParaRPr>
           </a:p>
           <a:p>
-            <a:endParaRPr lang="en-US" dirty="0">
+            <a:endParaRPr lang="en-US">
               <a:cs typeface="Calibri"/>
             </a:endParaRPr>
           </a:p>
           <a:p>
-            <a:endParaRPr lang="en-US" dirty="0">
+            <a:endParaRPr lang="en-US">
               <a:cs typeface="Calibri"/>
             </a:endParaRPr>
           </a:p>
@@ -7814,20 +7827,20 @@
             <a:pPr marL="0" indent="0">
               <a:buNone/>
             </a:pPr>
-            <a:endParaRPr lang="en-US" dirty="0">
+            <a:endParaRPr lang="en-US">
               <a:ea typeface="+mn-lt"/>
               <a:cs typeface="+mn-lt"/>
             </a:endParaRPr>
           </a:p>
           <a:p>
             <a:r>
-              <a:rPr lang="en-US" dirty="0">
+              <a:rPr lang="en-US">
                 <a:ea typeface="+mn-lt"/>
                 <a:cs typeface="+mn-lt"/>
               </a:rPr>
               <a:t>Select Add new entities. </a:t>
             </a:r>
-            <a:endParaRPr lang="en-US" dirty="0">
+            <a:endParaRPr lang="en-US">
               <a:cs typeface="Calibri"/>
             </a:endParaRPr>
           </a:p>
@@ -7988,20 +8001,20 @@
             <a:pPr marL="0" indent="0">
               <a:buNone/>
             </a:pPr>
-            <a:endParaRPr lang="en-US" dirty="0">
+            <a:endParaRPr lang="en-US">
               <a:ea typeface="+mn-lt"/>
               <a:cs typeface="+mn-lt"/>
             </a:endParaRPr>
           </a:p>
           <a:p>
             <a:r>
-              <a:rPr lang="en-US" dirty="0">
+              <a:rPr lang="en-US">
                 <a:ea typeface="+mn-lt"/>
                 <a:cs typeface="+mn-lt"/>
               </a:rPr>
               <a:t>Select Text/CSV File as a data source</a:t>
             </a:r>
-            <a:endParaRPr lang="en-US" dirty="0">
+            <a:endParaRPr lang="en-US">
               <a:cs typeface="Calibri"/>
             </a:endParaRPr>
           </a:p>
@@ -8173,21 +8186,41 @@
                 <a:ea typeface="+mn-lt"/>
                 <a:cs typeface="+mn-lt"/>
               </a:rPr>
-              <a:t>In the Connect to a data source page that appears next, paste the following link to the Customer Feedback</a:t>
+              <a:t>In the Connect to a data source page that appears next, paste the link to the  </a:t>
             </a:r>
             <a:r>
               <a:rPr lang="en-US" i="1" dirty="0">
                 <a:ea typeface="+mn-lt"/>
                 <a:cs typeface="+mn-lt"/>
               </a:rPr>
-              <a:t>.csv</a:t>
+              <a:t>customer_feedback_train.</a:t>
+            </a:r>
+            <a:r>
+              <a:rPr lang="en-US" i="1">
+                <a:ea typeface="+mn-lt"/>
+                <a:cs typeface="+mn-lt"/>
+              </a:rPr>
+              <a:t>csv </a:t>
+            </a:r>
+            <a:br>
+              <a:rPr lang="en-US" i="1">
+                <a:ea typeface="+mn-lt"/>
+                <a:cs typeface="+mn-lt"/>
+              </a:rPr>
+            </a:br>
+            <a:r>
+              <a:rPr lang="en-US">
+                <a:ea typeface="+mn-lt"/>
+                <a:cs typeface="+mn-lt"/>
+              </a:rPr>
+              <a:t>into </a:t>
             </a:r>
             <a:r>
               <a:rPr lang="en-US" dirty="0">
                 <a:ea typeface="+mn-lt"/>
                 <a:cs typeface="+mn-lt"/>
               </a:rPr>
-              <a:t> into the File path or URL box, and then select Next.</a:t>
+              <a:t>the File path or URL box, and then select Next.</a:t>
             </a:r>
           </a:p>
           <a:p>
@@ -8376,14 +8409,14 @@
           </a:bodyPr>
           <a:lstStyle/>
           <a:p>
-            <a:endParaRPr lang="en-US" dirty="0">
+            <a:endParaRPr lang="en-US">
               <a:ea typeface="+mn-lt"/>
               <a:cs typeface="+mn-lt"/>
             </a:endParaRPr>
           </a:p>
           <a:p>
             <a:r>
-              <a:rPr lang="en-US" dirty="0">
+              <a:rPr lang="en-US">
                 <a:ea typeface="+mn-lt"/>
                 <a:cs typeface="+mn-lt"/>
               </a:rPr>
@@ -8392,7 +8425,7 @@
           </a:p>
           <a:p>
             <a:r>
-              <a:rPr lang="en-US" dirty="0">
+              <a:rPr lang="en-US">
                 <a:ea typeface="+mn-lt"/>
                 <a:cs typeface="+mn-lt"/>
               </a:rPr>
@@ -8403,7 +8436,7 @@
             <a:pPr marL="0" indent="0">
               <a:buNone/>
             </a:pPr>
-            <a:endParaRPr lang="en-US" i="1" dirty="0">
+            <a:endParaRPr lang="en-US" i="1">
               <a:cs typeface="Calibri"/>
             </a:endParaRPr>
           </a:p>
